--- a/Presentation.pptx
+++ b/Presentation.pptx
@@ -8,13 +8,14 @@
     <p:sldId id="259" r:id="rId2"/>
     <p:sldId id="260" r:id="rId3"/>
     <p:sldId id="262" r:id="rId4"/>
-    <p:sldId id="263" r:id="rId5"/>
-    <p:sldId id="264" r:id="rId6"/>
-    <p:sldId id="265" r:id="rId7"/>
-    <p:sldId id="266" r:id="rId8"/>
-    <p:sldId id="267" r:id="rId9"/>
-    <p:sldId id="268" r:id="rId10"/>
-    <p:sldId id="269" r:id="rId11"/>
+    <p:sldId id="270" r:id="rId5"/>
+    <p:sldId id="263" r:id="rId6"/>
+    <p:sldId id="264" r:id="rId7"/>
+    <p:sldId id="265" r:id="rId8"/>
+    <p:sldId id="266" r:id="rId9"/>
+    <p:sldId id="267" r:id="rId10"/>
+    <p:sldId id="268" r:id="rId11"/>
+    <p:sldId id="269" r:id="rId12"/>
   </p:sldIdLst>
   <p:sldSz cx="12192000" cy="6858000"/>
   <p:notesSz cx="6858000" cy="9144000"/>
@@ -10877,14 +10878,6 @@
 <file path=ppt/slideLayouts/slideLayout6.xml><?xml version="1.0" encoding="utf-8"?>
 <p:sldLayout xmlns:a="http://schemas.openxmlformats.org/drawingml/2006/main" xmlns:r="http://schemas.openxmlformats.org/officeDocument/2006/relationships" xmlns:p="http://schemas.openxmlformats.org/presentationml/2006/main" matchingName="Blank" type="blank">
   <p:cSld name="Blank">
-    <p:bg>
-      <p:bgPr>
-        <a:solidFill>
-          <a:schemeClr val="accent1"/>
-        </a:solidFill>
-        <a:effectLst/>
-      </p:bgPr>
-    </p:bg>
     <p:spTree>
       <p:nvGrpSpPr>
         <p:cNvPr id="1" name="Shape 90"/>
@@ -11021,14 +11014,6 @@
 <file path=ppt/slideLayouts/slideLayout7.xml><?xml version="1.0" encoding="utf-8"?>
 <p:sldLayout xmlns:a="http://schemas.openxmlformats.org/drawingml/2006/main" xmlns:r="http://schemas.openxmlformats.org/officeDocument/2006/relationships" xmlns:p="http://schemas.openxmlformats.org/presentationml/2006/main" matchingName="Blank with leaves">
   <p:cSld name="Blank with leaves">
-    <p:bg>
-      <p:bgPr>
-        <a:solidFill>
-          <a:schemeClr val="accent1"/>
-        </a:solidFill>
-        <a:effectLst/>
-      </p:bgPr>
-    </p:bg>
     <p:spTree>
       <p:nvGrpSpPr>
         <p:cNvPr id="1" name="Shape 92"/>
@@ -12295,14 +12280,6 @@
 <file path=ppt/slideLayouts/slideLayout8.xml><?xml version="1.0" encoding="utf-8"?>
 <p:sldLayout xmlns:a="http://schemas.openxmlformats.org/drawingml/2006/main" xmlns:r="http://schemas.openxmlformats.org/officeDocument/2006/relationships" xmlns:p="http://schemas.openxmlformats.org/presentationml/2006/main" matchingName="Image background">
   <p:cSld name="Image background">
-    <p:bg>
-      <p:bgPr>
-        <a:solidFill>
-          <a:schemeClr val="accent2"/>
-        </a:solidFill>
-        <a:effectLst/>
-      </p:bgPr>
-    </p:bg>
     <p:spTree>
       <p:nvGrpSpPr>
         <p:cNvPr id="1" name="Shape 98"/>
@@ -15784,6 +15761,339 @@
           <a:chExt cx="0" cy="0"/>
         </a:xfrm>
       </p:grpSpPr>
+      <p:sp>
+        <p:nvSpPr>
+          <p:cNvPr id="5" name="Title 1">
+            <a:extLst>
+              <a:ext uri="{FF2B5EF4-FFF2-40B4-BE49-F238E27FC236}">
+                <a16:creationId xmlns:a16="http://schemas.microsoft.com/office/drawing/2014/main" id="{4B1692CF-DB9A-D143-9BBA-83930D377C66}"/>
+              </a:ext>
+            </a:extLst>
+          </p:cNvPr>
+          <p:cNvSpPr txBox="1">
+            <a:spLocks/>
+          </p:cNvSpPr>
+          <p:nvPr/>
+        </p:nvSpPr>
+        <p:spPr>
+          <a:xfrm>
+            <a:off x="4794739" y="1062000"/>
+            <a:ext cx="6486400" cy="921200"/>
+          </a:xfrm>
+          <a:prstGeom prst="rect">
+            <a:avLst/>
+          </a:prstGeom>
+        </p:spPr>
+        <p:txBody>
+          <a:bodyPr/>
+          <a:lstStyle>
+            <a:defPPr marR="0" lvl="0" algn="l" rtl="0">
+              <a:lnSpc>
+                <a:spcPct val="100000"/>
+              </a:lnSpc>
+              <a:spcBef>
+                <a:spcPts val="0"/>
+              </a:spcBef>
+              <a:spcAft>
+                <a:spcPts val="0"/>
+              </a:spcAft>
+            </a:defPPr>
+            <a:lvl1pPr marR="0" lvl="0" algn="l" rtl="0" eaLnBrk="1" hangingPunct="1">
+              <a:lnSpc>
+                <a:spcPct val="100000"/>
+              </a:lnSpc>
+              <a:spcBef>
+                <a:spcPts val="0"/>
+              </a:spcBef>
+              <a:spcAft>
+                <a:spcPts val="0"/>
+              </a:spcAft>
+              <a:buClr>
+                <a:srgbClr val="000000"/>
+              </a:buClr>
+              <a:buFont typeface="Arial"/>
+              <a:defRPr sz="1867" b="0" i="0" u="none" strike="noStrike" cap="none">
+                <a:solidFill>
+                  <a:srgbClr val="000000"/>
+                </a:solidFill>
+                <a:latin typeface="Arial"/>
+                <a:ea typeface="Arial"/>
+                <a:cs typeface="Arial"/>
+                <a:sym typeface="Arial"/>
+              </a:defRPr>
+            </a:lvl1pPr>
+            <a:lvl2pPr marR="0" lvl="1" algn="l" rtl="0" eaLnBrk="1" hangingPunct="1">
+              <a:lnSpc>
+                <a:spcPct val="100000"/>
+              </a:lnSpc>
+              <a:spcBef>
+                <a:spcPts val="0"/>
+              </a:spcBef>
+              <a:spcAft>
+                <a:spcPts val="0"/>
+              </a:spcAft>
+              <a:buClr>
+                <a:srgbClr val="000000"/>
+              </a:buClr>
+              <a:buFont typeface="Arial"/>
+              <a:defRPr sz="1867" b="0" i="0" u="none" strike="noStrike" cap="none">
+                <a:solidFill>
+                  <a:srgbClr val="000000"/>
+                </a:solidFill>
+                <a:latin typeface="Arial"/>
+                <a:ea typeface="Arial"/>
+                <a:cs typeface="Arial"/>
+                <a:sym typeface="Arial"/>
+              </a:defRPr>
+            </a:lvl2pPr>
+            <a:lvl3pPr marR="0" lvl="2" algn="l" rtl="0" eaLnBrk="1" hangingPunct="1">
+              <a:lnSpc>
+                <a:spcPct val="100000"/>
+              </a:lnSpc>
+              <a:spcBef>
+                <a:spcPts val="0"/>
+              </a:spcBef>
+              <a:spcAft>
+                <a:spcPts val="0"/>
+              </a:spcAft>
+              <a:buClr>
+                <a:srgbClr val="000000"/>
+              </a:buClr>
+              <a:buFont typeface="Arial"/>
+              <a:defRPr sz="1867" b="0" i="0" u="none" strike="noStrike" cap="none">
+                <a:solidFill>
+                  <a:srgbClr val="000000"/>
+                </a:solidFill>
+                <a:latin typeface="Arial"/>
+                <a:ea typeface="Arial"/>
+                <a:cs typeface="Arial"/>
+                <a:sym typeface="Arial"/>
+              </a:defRPr>
+            </a:lvl3pPr>
+            <a:lvl4pPr marR="0" lvl="3" algn="l" rtl="0" eaLnBrk="1" hangingPunct="1">
+              <a:lnSpc>
+                <a:spcPct val="100000"/>
+              </a:lnSpc>
+              <a:spcBef>
+                <a:spcPts val="0"/>
+              </a:spcBef>
+              <a:spcAft>
+                <a:spcPts val="0"/>
+              </a:spcAft>
+              <a:buClr>
+                <a:srgbClr val="000000"/>
+              </a:buClr>
+              <a:buFont typeface="Arial"/>
+              <a:defRPr sz="1867" b="0" i="0" u="none" strike="noStrike" cap="none">
+                <a:solidFill>
+                  <a:srgbClr val="000000"/>
+                </a:solidFill>
+                <a:latin typeface="Arial"/>
+                <a:ea typeface="Arial"/>
+                <a:cs typeface="Arial"/>
+                <a:sym typeface="Arial"/>
+              </a:defRPr>
+            </a:lvl4pPr>
+            <a:lvl5pPr marR="0" lvl="4" algn="l" rtl="0" eaLnBrk="1" hangingPunct="1">
+              <a:lnSpc>
+                <a:spcPct val="100000"/>
+              </a:lnSpc>
+              <a:spcBef>
+                <a:spcPts val="0"/>
+              </a:spcBef>
+              <a:spcAft>
+                <a:spcPts val="0"/>
+              </a:spcAft>
+              <a:buClr>
+                <a:srgbClr val="000000"/>
+              </a:buClr>
+              <a:buFont typeface="Arial"/>
+              <a:defRPr sz="1867" b="0" i="0" u="none" strike="noStrike" cap="none">
+                <a:solidFill>
+                  <a:srgbClr val="000000"/>
+                </a:solidFill>
+                <a:latin typeface="Arial"/>
+                <a:ea typeface="Arial"/>
+                <a:cs typeface="Arial"/>
+                <a:sym typeface="Arial"/>
+              </a:defRPr>
+            </a:lvl5pPr>
+            <a:lvl6pPr marR="0" lvl="5" algn="l" rtl="0" eaLnBrk="1" hangingPunct="1">
+              <a:lnSpc>
+                <a:spcPct val="100000"/>
+              </a:lnSpc>
+              <a:spcBef>
+                <a:spcPts val="0"/>
+              </a:spcBef>
+              <a:spcAft>
+                <a:spcPts val="0"/>
+              </a:spcAft>
+              <a:buClr>
+                <a:srgbClr val="000000"/>
+              </a:buClr>
+              <a:buFont typeface="Arial"/>
+              <a:defRPr sz="1867" b="0" i="0" u="none" strike="noStrike" cap="none">
+                <a:solidFill>
+                  <a:srgbClr val="000000"/>
+                </a:solidFill>
+                <a:latin typeface="Arial"/>
+                <a:ea typeface="Arial"/>
+                <a:cs typeface="Arial"/>
+                <a:sym typeface="Arial"/>
+              </a:defRPr>
+            </a:lvl6pPr>
+            <a:lvl7pPr marR="0" lvl="6" algn="l" rtl="0" eaLnBrk="1" hangingPunct="1">
+              <a:lnSpc>
+                <a:spcPct val="100000"/>
+              </a:lnSpc>
+              <a:spcBef>
+                <a:spcPts val="0"/>
+              </a:spcBef>
+              <a:spcAft>
+                <a:spcPts val="0"/>
+              </a:spcAft>
+              <a:buClr>
+                <a:srgbClr val="000000"/>
+              </a:buClr>
+              <a:buFont typeface="Arial"/>
+              <a:defRPr sz="1867" b="0" i="0" u="none" strike="noStrike" cap="none">
+                <a:solidFill>
+                  <a:srgbClr val="000000"/>
+                </a:solidFill>
+                <a:latin typeface="Arial"/>
+                <a:ea typeface="Arial"/>
+                <a:cs typeface="Arial"/>
+                <a:sym typeface="Arial"/>
+              </a:defRPr>
+            </a:lvl7pPr>
+            <a:lvl8pPr marR="0" lvl="7" algn="l" rtl="0" eaLnBrk="1" hangingPunct="1">
+              <a:lnSpc>
+                <a:spcPct val="100000"/>
+              </a:lnSpc>
+              <a:spcBef>
+                <a:spcPts val="0"/>
+              </a:spcBef>
+              <a:spcAft>
+                <a:spcPts val="0"/>
+              </a:spcAft>
+              <a:buClr>
+                <a:srgbClr val="000000"/>
+              </a:buClr>
+              <a:buFont typeface="Arial"/>
+              <a:defRPr sz="1867" b="0" i="0" u="none" strike="noStrike" cap="none">
+                <a:solidFill>
+                  <a:srgbClr val="000000"/>
+                </a:solidFill>
+                <a:latin typeface="Arial"/>
+                <a:ea typeface="Arial"/>
+                <a:cs typeface="Arial"/>
+                <a:sym typeface="Arial"/>
+              </a:defRPr>
+            </a:lvl8pPr>
+            <a:lvl9pPr marR="0" lvl="8" algn="l" rtl="0" eaLnBrk="1" hangingPunct="1">
+              <a:lnSpc>
+                <a:spcPct val="100000"/>
+              </a:lnSpc>
+              <a:spcBef>
+                <a:spcPts val="0"/>
+              </a:spcBef>
+              <a:spcAft>
+                <a:spcPts val="0"/>
+              </a:spcAft>
+              <a:buClr>
+                <a:srgbClr val="000000"/>
+              </a:buClr>
+              <a:buFont typeface="Arial"/>
+              <a:defRPr sz="1867" b="0" i="0" u="none" strike="noStrike" cap="none">
+                <a:solidFill>
+                  <a:srgbClr val="000000"/>
+                </a:solidFill>
+                <a:latin typeface="Arial"/>
+                <a:ea typeface="Arial"/>
+                <a:cs typeface="Arial"/>
+                <a:sym typeface="Arial"/>
+              </a:defRPr>
+            </a:lvl9pPr>
+          </a:lstStyle>
+          <a:p>
+            <a:r>
+              <a:rPr lang="en-US" sz="5000" b="1" dirty="0">
+                <a:solidFill>
+                  <a:srgbClr val="50B248"/>
+                </a:solidFill>
+                <a:latin typeface="Dosis ExtraLight"/>
+                <a:cs typeface="Dosis ExtraLight"/>
+              </a:rPr>
+              <a:t>Insights</a:t>
+            </a:r>
+            <a:endParaRPr lang="en-US" dirty="0">
+              <a:solidFill>
+                <a:srgbClr val="9CD063"/>
+              </a:solidFill>
+            </a:endParaRPr>
+          </a:p>
+        </p:txBody>
+      </p:sp>
+      <p:pic>
+        <p:nvPicPr>
+          <p:cNvPr id="7" name="Picture 6">
+            <a:extLst>
+              <a:ext uri="{FF2B5EF4-FFF2-40B4-BE49-F238E27FC236}">
+                <a16:creationId xmlns:a16="http://schemas.microsoft.com/office/drawing/2014/main" id="{5CB43B5A-BB47-584C-AA96-A95FD8E4836B}"/>
+              </a:ext>
+            </a:extLst>
+          </p:cNvPr>
+          <p:cNvPicPr>
+            <a:picLocks noChangeAspect="1"/>
+          </p:cNvPicPr>
+          <p:nvPr/>
+        </p:nvPicPr>
+        <p:blipFill>
+          <a:blip r:embed="rId2"/>
+          <a:stretch>
+            <a:fillRect/>
+          </a:stretch>
+        </p:blipFill>
+        <p:spPr>
+          <a:xfrm>
+            <a:off x="0" y="0"/>
+            <a:ext cx="4580307" cy="4256568"/>
+          </a:xfrm>
+          <a:prstGeom prst="rect">
+            <a:avLst/>
+          </a:prstGeom>
+        </p:spPr>
+      </p:pic>
+    </p:spTree>
+    <p:extLst>
+      <p:ext uri="{BB962C8B-B14F-4D97-AF65-F5344CB8AC3E}">
+        <p14:creationId xmlns:p14="http://schemas.microsoft.com/office/powerpoint/2010/main" val="478904151"/>
+      </p:ext>
+    </p:extLst>
+  </p:cSld>
+  <p:clrMapOvr>
+    <a:masterClrMapping/>
+  </p:clrMapOvr>
+</p:sld>
+</file>
+
+<file path=ppt/slides/slide11.xml><?xml version="1.0" encoding="utf-8"?>
+<p:sld xmlns:a="http://schemas.openxmlformats.org/drawingml/2006/main" xmlns:r="http://schemas.openxmlformats.org/officeDocument/2006/relationships" xmlns:p="http://schemas.openxmlformats.org/presentationml/2006/main">
+  <p:cSld>
+    <p:spTree>
+      <p:nvGrpSpPr>
+        <p:cNvPr id="1" name=""/>
+        <p:cNvGrpSpPr/>
+        <p:nvPr/>
+      </p:nvGrpSpPr>
+      <p:grpSpPr>
+        <a:xfrm>
+          <a:off x="0" y="0"/>
+          <a:ext cx="0" cy="0"/>
+          <a:chOff x="0" y="0"/>
+          <a:chExt cx="0" cy="0"/>
+        </a:xfrm>
+      </p:grpSpPr>
       <p:pic>
         <p:nvPicPr>
           <p:cNvPr id="4" name="Picture 3">
@@ -16104,16 +16414,6 @@
 <file path=ppt/slides/slide2.xml><?xml version="1.0" encoding="utf-8"?>
 <p:sld xmlns:a="http://schemas.openxmlformats.org/drawingml/2006/main" xmlns:r="http://schemas.openxmlformats.org/officeDocument/2006/relationships" xmlns:p="http://schemas.openxmlformats.org/presentationml/2006/main">
   <p:cSld>
-    <p:bg>
-      <p:bgPr>
-        <a:solidFill>
-          <a:schemeClr val="accent1">
-            <a:alpha val="30148"/>
-          </a:schemeClr>
-        </a:solidFill>
-        <a:effectLst/>
-      </p:bgPr>
-    </p:bg>
     <p:spTree>
       <p:nvGrpSpPr>
         <p:cNvPr id="1" name=""/>
@@ -16880,6 +17180,58 @@
           <a:chExt cx="0" cy="0"/>
         </a:xfrm>
       </p:grpSpPr>
+      <p:sp>
+        <p:nvSpPr>
+          <p:cNvPr id="7" name="Rectangle 6">
+            <a:extLst>
+              <a:ext uri="{FF2B5EF4-FFF2-40B4-BE49-F238E27FC236}">
+                <a16:creationId xmlns:a16="http://schemas.microsoft.com/office/drawing/2014/main" id="{6637F394-DB26-264B-ABF9-7C4ED98911D7}"/>
+              </a:ext>
+            </a:extLst>
+          </p:cNvPr>
+          <p:cNvSpPr/>
+          <p:nvPr/>
+        </p:nvSpPr>
+        <p:spPr>
+          <a:xfrm>
+            <a:off x="-244200" y="-82061"/>
+            <a:ext cx="6340200" cy="6940062"/>
+          </a:xfrm>
+          <a:prstGeom prst="rect">
+            <a:avLst/>
+          </a:prstGeom>
+          <a:solidFill>
+            <a:srgbClr val="000000"/>
+          </a:solidFill>
+          <a:ln>
+            <a:solidFill>
+              <a:schemeClr val="bg1"/>
+            </a:solidFill>
+          </a:ln>
+        </p:spPr>
+        <p:style>
+          <a:lnRef idx="2">
+            <a:schemeClr val="accent6"/>
+          </a:lnRef>
+          <a:fillRef idx="1">
+            <a:schemeClr val="lt1"/>
+          </a:fillRef>
+          <a:effectRef idx="0">
+            <a:schemeClr val="accent6"/>
+          </a:effectRef>
+          <a:fontRef idx="minor">
+            <a:schemeClr val="dk1"/>
+          </a:fontRef>
+        </p:style>
+        <p:txBody>
+          <a:bodyPr rtlCol="0" anchor="ctr"/>
+          <a:lstStyle/>
+          <a:p>
+            <a:pPr algn="ctr"/>
+            <a:endParaRPr lang="en-US"/>
+          </a:p>
+        </p:txBody>
+      </p:sp>
       <p:pic>
         <p:nvPicPr>
           <p:cNvPr id="12" name="Picture 11">
@@ -16895,14 +17247,16 @@
           <p:nvPr/>
         </p:nvPicPr>
         <p:blipFill>
-          <a:blip r:embed="rId2"/>
+          <a:blip r:embed="rId2">
+            <a:alphaModFix amt="70000"/>
+          </a:blip>
           <a:stretch>
             <a:fillRect/>
           </a:stretch>
         </p:blipFill>
         <p:spPr>
           <a:xfrm>
-            <a:off x="-762000" y="-41031"/>
+            <a:off x="-762000" y="-82061"/>
             <a:ext cx="6858000" cy="6940062"/>
           </a:xfrm>
           <a:prstGeom prst="rect">
@@ -17202,6 +17556,241 @@
           </a:p>
         </p:txBody>
       </p:sp>
+      <p:sp>
+        <p:nvSpPr>
+          <p:cNvPr id="2" name="TextBox 1">
+            <a:extLst>
+              <a:ext uri="{FF2B5EF4-FFF2-40B4-BE49-F238E27FC236}">
+                <a16:creationId xmlns:a16="http://schemas.microsoft.com/office/drawing/2014/main" id="{101159A7-323A-5F4D-B84C-C2E857E6941A}"/>
+              </a:ext>
+            </a:extLst>
+          </p:cNvPr>
+          <p:cNvSpPr txBox="1"/>
+          <p:nvPr/>
+        </p:nvSpPr>
+        <p:spPr>
+          <a:xfrm>
+            <a:off x="273601" y="2149021"/>
+            <a:ext cx="5822399" cy="4093428"/>
+          </a:xfrm>
+          <a:prstGeom prst="rect">
+            <a:avLst/>
+          </a:prstGeom>
+          <a:noFill/>
+        </p:spPr>
+        <p:txBody>
+          <a:bodyPr wrap="square" rtlCol="0">
+            <a:spAutoFit/>
+          </a:bodyPr>
+          <a:lstStyle/>
+          <a:p>
+            <a:pPr marL="342900" indent="-342900">
+              <a:buClr>
+                <a:schemeClr val="tx2"/>
+              </a:buClr>
+              <a:buFont typeface="Arial" panose="020B0604020202020204" pitchFamily="34" charset="0"/>
+              <a:buChar char="•"/>
+            </a:pPr>
+            <a:r>
+              <a:rPr lang="en-US" sz="2300" b="1" dirty="0">
+                <a:solidFill>
+                  <a:schemeClr val="tx2"/>
+                </a:solidFill>
+                <a:latin typeface="Dosis ExtraLight"/>
+              </a:rPr>
+              <a:t>climate scientists </a:t>
+            </a:r>
+            <a:r>
+              <a:rPr lang="en-US" sz="2300" b="1" dirty="0">
+                <a:solidFill>
+                  <a:schemeClr val="tx2"/>
+                </a:solidFill>
+                <a:latin typeface="Dosis ExtraLight"/>
+                <a:sym typeface="Dosis ExtraLight"/>
+              </a:rPr>
+              <a:t>have</a:t>
+            </a:r>
+            <a:r>
+              <a:rPr lang="en-US" sz="2300" b="1" dirty="0">
+                <a:solidFill>
+                  <a:schemeClr val="tx2"/>
+                </a:solidFill>
+                <a:latin typeface="Dosis ExtraLight"/>
+              </a:rPr>
+              <a:t> warned there are only a </a:t>
+            </a:r>
+            <a:r>
+              <a:rPr lang="en-US" sz="3300" b="1" dirty="0">
+                <a:solidFill>
+                  <a:schemeClr val="tx2"/>
+                </a:solidFill>
+                <a:latin typeface="Dosis ExtraLight"/>
+              </a:rPr>
+              <a:t>dozen</a:t>
+            </a:r>
+            <a:r>
+              <a:rPr lang="en-US" sz="2300" b="1" dirty="0">
+                <a:solidFill>
+                  <a:schemeClr val="tx2"/>
+                </a:solidFill>
+                <a:latin typeface="Dosis ExtraLight"/>
+              </a:rPr>
+              <a:t> years for stopping global warming and climate change</a:t>
+            </a:r>
+          </a:p>
+          <a:p>
+            <a:pPr>
+              <a:buClr>
+                <a:schemeClr val="tx2"/>
+              </a:buClr>
+            </a:pPr>
+            <a:endParaRPr lang="en-US" sz="2000" b="1" dirty="0">
+              <a:solidFill>
+                <a:schemeClr val="tx2"/>
+              </a:solidFill>
+              <a:latin typeface="Dosis ExtraLight"/>
+            </a:endParaRPr>
+          </a:p>
+          <a:p>
+            <a:pPr marL="342900" indent="-342900">
+              <a:buClr>
+                <a:schemeClr val="tx2"/>
+              </a:buClr>
+              <a:buFont typeface="Arial" panose="020B0604020202020204" pitchFamily="34" charset="0"/>
+              <a:buChar char="•"/>
+            </a:pPr>
+            <a:r>
+              <a:rPr lang="en-US" sz="2300" b="1" dirty="0">
+                <a:solidFill>
+                  <a:schemeClr val="tx2"/>
+                </a:solidFill>
+                <a:latin typeface="Dosis ExtraLight"/>
+              </a:rPr>
+              <a:t>Largest sources of greenhouse gas emissions from human activities are </a:t>
+            </a:r>
+            <a:r>
+              <a:rPr lang="en-US" sz="3300" b="1" dirty="0">
+                <a:solidFill>
+                  <a:schemeClr val="tx2"/>
+                </a:solidFill>
+                <a:latin typeface="Dosis ExtraLight"/>
+              </a:rPr>
+              <a:t>transportation</a:t>
+            </a:r>
+            <a:r>
+              <a:rPr lang="en-US" sz="2300" b="1" dirty="0">
+                <a:solidFill>
+                  <a:schemeClr val="tx2"/>
+                </a:solidFill>
+                <a:latin typeface="Dosis ExtraLight"/>
+              </a:rPr>
+              <a:t> and </a:t>
+            </a:r>
+            <a:r>
+              <a:rPr lang="en-US" sz="3300" b="1" dirty="0">
+                <a:solidFill>
+                  <a:schemeClr val="tx2"/>
+                </a:solidFill>
+                <a:latin typeface="Dosis ExtraLight"/>
+              </a:rPr>
+              <a:t>fossil</a:t>
+            </a:r>
+            <a:r>
+              <a:rPr lang="en-US" sz="2300" b="1" dirty="0">
+                <a:solidFill>
+                  <a:schemeClr val="tx2"/>
+                </a:solidFill>
+                <a:latin typeface="Dosis ExtraLight"/>
+              </a:rPr>
+              <a:t> fuels</a:t>
+            </a:r>
+          </a:p>
+          <a:p>
+            <a:endParaRPr lang="en-US" sz="2300" b="1" dirty="0">
+              <a:solidFill>
+                <a:schemeClr val="tx2"/>
+              </a:solidFill>
+              <a:latin typeface="Dosis ExtraLight"/>
+            </a:endParaRPr>
+          </a:p>
+          <a:p>
+            <a:endParaRPr lang="en-US" sz="2300" b="1" dirty="0">
+              <a:solidFill>
+                <a:schemeClr val="tx2"/>
+              </a:solidFill>
+              <a:latin typeface="Dosis ExtraLight"/>
+            </a:endParaRPr>
+          </a:p>
+          <a:p>
+            <a:endParaRPr lang="en-US" sz="2300" b="1" dirty="0"/>
+          </a:p>
+        </p:txBody>
+      </p:sp>
+      <p:sp>
+        <p:nvSpPr>
+          <p:cNvPr id="6" name="TextBox 5">
+            <a:extLst>
+              <a:ext uri="{FF2B5EF4-FFF2-40B4-BE49-F238E27FC236}">
+                <a16:creationId xmlns:a16="http://schemas.microsoft.com/office/drawing/2014/main" id="{9EC01144-9A4B-4149-A489-EBFB52CD4FC4}"/>
+              </a:ext>
+            </a:extLst>
+          </p:cNvPr>
+          <p:cNvSpPr txBox="1"/>
+          <p:nvPr/>
+        </p:nvSpPr>
+        <p:spPr>
+          <a:xfrm>
+            <a:off x="6778736" y="2598003"/>
+            <a:ext cx="4910138" cy="1661993"/>
+          </a:xfrm>
+          <a:prstGeom prst="rect">
+            <a:avLst/>
+          </a:prstGeom>
+          <a:noFill/>
+        </p:spPr>
+        <p:txBody>
+          <a:bodyPr wrap="square" rtlCol="0">
+            <a:spAutoFit/>
+          </a:bodyPr>
+          <a:lstStyle/>
+          <a:p>
+            <a:pPr marL="342900" indent="-342900">
+              <a:buClr>
+                <a:srgbClr val="FFB248"/>
+              </a:buClr>
+              <a:buFont typeface="Arial" panose="020B0604020202020204" pitchFamily="34" charset="0"/>
+              <a:buChar char="•"/>
+            </a:pPr>
+            <a:r>
+              <a:rPr lang="en-US" sz="2300" b="1" dirty="0">
+                <a:solidFill>
+                  <a:srgbClr val="FFB248"/>
+                </a:solidFill>
+                <a:latin typeface="Dosis ExtraLight"/>
+              </a:rPr>
+              <a:t>By absorbing carbon dioxide from the atmosphere, storing carbon in the soil, and releasing oxygen into the air, </a:t>
+            </a:r>
+            <a:r>
+              <a:rPr lang="en-US" sz="3300" b="1" dirty="0">
+                <a:solidFill>
+                  <a:srgbClr val="FFB248"/>
+                </a:solidFill>
+                <a:latin typeface="Dosis ExtraLight"/>
+              </a:rPr>
+              <a:t>trees</a:t>
+            </a:r>
+            <a:r>
+              <a:rPr lang="en-US" sz="2300" b="1" dirty="0">
+                <a:solidFill>
+                  <a:srgbClr val="FFB248"/>
+                </a:solidFill>
+                <a:latin typeface="Dosis ExtraLight"/>
+              </a:rPr>
+              <a:t> assist to mitigate climate change. </a:t>
+            </a:r>
+          </a:p>
+        </p:txBody>
+      </p:sp>
     </p:spTree>
     <p:extLst>
       <p:ext uri="{BB962C8B-B14F-4D97-AF65-F5344CB8AC3E}">
@@ -17216,6 +17805,645 @@
 </file>
 
 <file path=ppt/slides/slide4.xml><?xml version="1.0" encoding="utf-8"?>
+<p:sld xmlns:a="http://schemas.openxmlformats.org/drawingml/2006/main" xmlns:r="http://schemas.openxmlformats.org/officeDocument/2006/relationships" xmlns:p="http://schemas.openxmlformats.org/presentationml/2006/main">
+  <p:cSld>
+    <p:spTree>
+      <p:nvGrpSpPr>
+        <p:cNvPr id="1" name=""/>
+        <p:cNvGrpSpPr/>
+        <p:nvPr/>
+      </p:nvGrpSpPr>
+      <p:grpSpPr>
+        <a:xfrm>
+          <a:off x="0" y="0"/>
+          <a:ext cx="0" cy="0"/>
+          <a:chOff x="0" y="0"/>
+          <a:chExt cx="0" cy="0"/>
+        </a:xfrm>
+      </p:grpSpPr>
+      <p:sp>
+        <p:nvSpPr>
+          <p:cNvPr id="7" name="Rectangle 6">
+            <a:extLst>
+              <a:ext uri="{FF2B5EF4-FFF2-40B4-BE49-F238E27FC236}">
+                <a16:creationId xmlns:a16="http://schemas.microsoft.com/office/drawing/2014/main" id="{9306C0F4-D665-D643-870F-D4DFB3FCF43B}"/>
+              </a:ext>
+            </a:extLst>
+          </p:cNvPr>
+          <p:cNvSpPr/>
+          <p:nvPr/>
+        </p:nvSpPr>
+        <p:spPr>
+          <a:xfrm>
+            <a:off x="85344" y="20514"/>
+            <a:ext cx="12192000" cy="6858000"/>
+          </a:xfrm>
+          <a:prstGeom prst="rect">
+            <a:avLst/>
+          </a:prstGeom>
+          <a:ln>
+            <a:solidFill>
+              <a:schemeClr val="bg1"/>
+            </a:solidFill>
+          </a:ln>
+        </p:spPr>
+        <p:style>
+          <a:lnRef idx="2">
+            <a:schemeClr val="accent6"/>
+          </a:lnRef>
+          <a:fillRef idx="1">
+            <a:schemeClr val="lt1"/>
+          </a:fillRef>
+          <a:effectRef idx="0">
+            <a:schemeClr val="accent6"/>
+          </a:effectRef>
+          <a:fontRef idx="minor">
+            <a:schemeClr val="dk1"/>
+          </a:fontRef>
+        </p:style>
+        <p:txBody>
+          <a:bodyPr rtlCol="0" anchor="ctr"/>
+          <a:lstStyle/>
+          <a:p>
+            <a:pPr algn="ctr"/>
+            <a:r>
+              <a:rPr lang="en-US" dirty="0"/>
+              <a:t>x</a:t>
+            </a:r>
+          </a:p>
+        </p:txBody>
+      </p:sp>
+      <p:sp>
+        <p:nvSpPr>
+          <p:cNvPr id="9" name="Rectangle 8">
+            <a:extLst>
+              <a:ext uri="{FF2B5EF4-FFF2-40B4-BE49-F238E27FC236}">
+                <a16:creationId xmlns:a16="http://schemas.microsoft.com/office/drawing/2014/main" id="{0D7E9757-47B8-6346-A7C6-9BFFE3E72BDF}"/>
+              </a:ext>
+            </a:extLst>
+          </p:cNvPr>
+          <p:cNvSpPr/>
+          <p:nvPr/>
+        </p:nvSpPr>
+        <p:spPr>
+          <a:xfrm>
+            <a:off x="6096000" y="-20517"/>
+            <a:ext cx="6340200" cy="6940062"/>
+          </a:xfrm>
+          <a:prstGeom prst="rect">
+            <a:avLst/>
+          </a:prstGeom>
+          <a:solidFill>
+            <a:srgbClr val="000000"/>
+          </a:solidFill>
+          <a:ln>
+            <a:solidFill>
+              <a:schemeClr val="bg1"/>
+            </a:solidFill>
+          </a:ln>
+        </p:spPr>
+        <p:style>
+          <a:lnRef idx="2">
+            <a:schemeClr val="accent6"/>
+          </a:lnRef>
+          <a:fillRef idx="1">
+            <a:schemeClr val="lt1"/>
+          </a:fillRef>
+          <a:effectRef idx="0">
+            <a:schemeClr val="accent6"/>
+          </a:effectRef>
+          <a:fontRef idx="minor">
+            <a:schemeClr val="dk1"/>
+          </a:fontRef>
+        </p:style>
+        <p:txBody>
+          <a:bodyPr rtlCol="0" anchor="ctr"/>
+          <a:lstStyle/>
+          <a:p>
+            <a:pPr algn="ctr"/>
+            <a:endParaRPr lang="en-US"/>
+          </a:p>
+        </p:txBody>
+      </p:sp>
+      <p:pic>
+        <p:nvPicPr>
+          <p:cNvPr id="12" name="Picture 11">
+            <a:extLst>
+              <a:ext uri="{FF2B5EF4-FFF2-40B4-BE49-F238E27FC236}">
+                <a16:creationId xmlns:a16="http://schemas.microsoft.com/office/drawing/2014/main" id="{D37FBCCC-9EE5-8848-B11E-2848EB263DAB}"/>
+              </a:ext>
+            </a:extLst>
+          </p:cNvPr>
+          <p:cNvPicPr>
+            <a:picLocks noChangeAspect="1"/>
+          </p:cNvPicPr>
+          <p:nvPr/>
+        </p:nvPicPr>
+        <p:blipFill>
+          <a:blip r:embed="rId2">
+            <a:alphaModFix amt="71000"/>
+          </a:blip>
+          <a:stretch>
+            <a:fillRect/>
+          </a:stretch>
+        </p:blipFill>
+        <p:spPr>
+          <a:xfrm>
+            <a:off x="6096000" y="-41032"/>
+            <a:ext cx="6858000" cy="6940062"/>
+          </a:xfrm>
+          <a:prstGeom prst="rect">
+            <a:avLst/>
+          </a:prstGeom>
+        </p:spPr>
+      </p:pic>
+      <p:sp>
+        <p:nvSpPr>
+          <p:cNvPr id="10" name="Title 1">
+            <a:extLst>
+              <a:ext uri="{FF2B5EF4-FFF2-40B4-BE49-F238E27FC236}">
+                <a16:creationId xmlns:a16="http://schemas.microsoft.com/office/drawing/2014/main" id="{9ACA99BA-6729-9A4A-ABDF-49BC1C50A94F}"/>
+              </a:ext>
+            </a:extLst>
+          </p:cNvPr>
+          <p:cNvSpPr txBox="1">
+            <a:spLocks/>
+          </p:cNvSpPr>
+          <p:nvPr/>
+        </p:nvSpPr>
+        <p:spPr>
+          <a:xfrm>
+            <a:off x="3411405" y="153311"/>
+            <a:ext cx="5822400" cy="921200"/>
+          </a:xfrm>
+          <a:prstGeom prst="rect">
+            <a:avLst/>
+          </a:prstGeom>
+        </p:spPr>
+        <p:txBody>
+          <a:bodyPr/>
+          <a:lstStyle>
+            <a:defPPr marR="0" lvl="0" algn="l" rtl="0">
+              <a:lnSpc>
+                <a:spcPct val="100000"/>
+              </a:lnSpc>
+              <a:spcBef>
+                <a:spcPts val="0"/>
+              </a:spcBef>
+              <a:spcAft>
+                <a:spcPts val="0"/>
+              </a:spcAft>
+            </a:defPPr>
+            <a:lvl1pPr marR="0" lvl="0" algn="l" rtl="0" eaLnBrk="1" hangingPunct="1">
+              <a:lnSpc>
+                <a:spcPct val="100000"/>
+              </a:lnSpc>
+              <a:spcBef>
+                <a:spcPts val="0"/>
+              </a:spcBef>
+              <a:spcAft>
+                <a:spcPts val="0"/>
+              </a:spcAft>
+              <a:buClr>
+                <a:srgbClr val="000000"/>
+              </a:buClr>
+              <a:buFont typeface="Arial"/>
+              <a:defRPr sz="1867" b="0" i="0" u="none" strike="noStrike" cap="none">
+                <a:solidFill>
+                  <a:srgbClr val="000000"/>
+                </a:solidFill>
+                <a:latin typeface="Arial"/>
+                <a:ea typeface="Arial"/>
+                <a:cs typeface="Arial"/>
+                <a:sym typeface="Arial"/>
+              </a:defRPr>
+            </a:lvl1pPr>
+            <a:lvl2pPr marR="0" lvl="1" algn="l" rtl="0" eaLnBrk="1" hangingPunct="1">
+              <a:lnSpc>
+                <a:spcPct val="100000"/>
+              </a:lnSpc>
+              <a:spcBef>
+                <a:spcPts val="0"/>
+              </a:spcBef>
+              <a:spcAft>
+                <a:spcPts val="0"/>
+              </a:spcAft>
+              <a:buClr>
+                <a:srgbClr val="000000"/>
+              </a:buClr>
+              <a:buFont typeface="Arial"/>
+              <a:defRPr sz="1867" b="0" i="0" u="none" strike="noStrike" cap="none">
+                <a:solidFill>
+                  <a:srgbClr val="000000"/>
+                </a:solidFill>
+                <a:latin typeface="Arial"/>
+                <a:ea typeface="Arial"/>
+                <a:cs typeface="Arial"/>
+                <a:sym typeface="Arial"/>
+              </a:defRPr>
+            </a:lvl2pPr>
+            <a:lvl3pPr marR="0" lvl="2" algn="l" rtl="0" eaLnBrk="1" hangingPunct="1">
+              <a:lnSpc>
+                <a:spcPct val="100000"/>
+              </a:lnSpc>
+              <a:spcBef>
+                <a:spcPts val="0"/>
+              </a:spcBef>
+              <a:spcAft>
+                <a:spcPts val="0"/>
+              </a:spcAft>
+              <a:buClr>
+                <a:srgbClr val="000000"/>
+              </a:buClr>
+              <a:buFont typeface="Arial"/>
+              <a:defRPr sz="1867" b="0" i="0" u="none" strike="noStrike" cap="none">
+                <a:solidFill>
+                  <a:srgbClr val="000000"/>
+                </a:solidFill>
+                <a:latin typeface="Arial"/>
+                <a:ea typeface="Arial"/>
+                <a:cs typeface="Arial"/>
+                <a:sym typeface="Arial"/>
+              </a:defRPr>
+            </a:lvl3pPr>
+            <a:lvl4pPr marR="0" lvl="3" algn="l" rtl="0" eaLnBrk="1" hangingPunct="1">
+              <a:lnSpc>
+                <a:spcPct val="100000"/>
+              </a:lnSpc>
+              <a:spcBef>
+                <a:spcPts val="0"/>
+              </a:spcBef>
+              <a:spcAft>
+                <a:spcPts val="0"/>
+              </a:spcAft>
+              <a:buClr>
+                <a:srgbClr val="000000"/>
+              </a:buClr>
+              <a:buFont typeface="Arial"/>
+              <a:defRPr sz="1867" b="0" i="0" u="none" strike="noStrike" cap="none">
+                <a:solidFill>
+                  <a:srgbClr val="000000"/>
+                </a:solidFill>
+                <a:latin typeface="Arial"/>
+                <a:ea typeface="Arial"/>
+                <a:cs typeface="Arial"/>
+                <a:sym typeface="Arial"/>
+              </a:defRPr>
+            </a:lvl4pPr>
+            <a:lvl5pPr marR="0" lvl="4" algn="l" rtl="0" eaLnBrk="1" hangingPunct="1">
+              <a:lnSpc>
+                <a:spcPct val="100000"/>
+              </a:lnSpc>
+              <a:spcBef>
+                <a:spcPts val="0"/>
+              </a:spcBef>
+              <a:spcAft>
+                <a:spcPts val="0"/>
+              </a:spcAft>
+              <a:buClr>
+                <a:srgbClr val="000000"/>
+              </a:buClr>
+              <a:buFont typeface="Arial"/>
+              <a:defRPr sz="1867" b="0" i="0" u="none" strike="noStrike" cap="none">
+                <a:solidFill>
+                  <a:srgbClr val="000000"/>
+                </a:solidFill>
+                <a:latin typeface="Arial"/>
+                <a:ea typeface="Arial"/>
+                <a:cs typeface="Arial"/>
+                <a:sym typeface="Arial"/>
+              </a:defRPr>
+            </a:lvl5pPr>
+            <a:lvl6pPr marR="0" lvl="5" algn="l" rtl="0" eaLnBrk="1" hangingPunct="1">
+              <a:lnSpc>
+                <a:spcPct val="100000"/>
+              </a:lnSpc>
+              <a:spcBef>
+                <a:spcPts val="0"/>
+              </a:spcBef>
+              <a:spcAft>
+                <a:spcPts val="0"/>
+              </a:spcAft>
+              <a:buClr>
+                <a:srgbClr val="000000"/>
+              </a:buClr>
+              <a:buFont typeface="Arial"/>
+              <a:defRPr sz="1867" b="0" i="0" u="none" strike="noStrike" cap="none">
+                <a:solidFill>
+                  <a:srgbClr val="000000"/>
+                </a:solidFill>
+                <a:latin typeface="Arial"/>
+                <a:ea typeface="Arial"/>
+                <a:cs typeface="Arial"/>
+                <a:sym typeface="Arial"/>
+              </a:defRPr>
+            </a:lvl6pPr>
+            <a:lvl7pPr marR="0" lvl="6" algn="l" rtl="0" eaLnBrk="1" hangingPunct="1">
+              <a:lnSpc>
+                <a:spcPct val="100000"/>
+              </a:lnSpc>
+              <a:spcBef>
+                <a:spcPts val="0"/>
+              </a:spcBef>
+              <a:spcAft>
+                <a:spcPts val="0"/>
+              </a:spcAft>
+              <a:buClr>
+                <a:srgbClr val="000000"/>
+              </a:buClr>
+              <a:buFont typeface="Arial"/>
+              <a:defRPr sz="1867" b="0" i="0" u="none" strike="noStrike" cap="none">
+                <a:solidFill>
+                  <a:srgbClr val="000000"/>
+                </a:solidFill>
+                <a:latin typeface="Arial"/>
+                <a:ea typeface="Arial"/>
+                <a:cs typeface="Arial"/>
+                <a:sym typeface="Arial"/>
+              </a:defRPr>
+            </a:lvl7pPr>
+            <a:lvl8pPr marR="0" lvl="7" algn="l" rtl="0" eaLnBrk="1" hangingPunct="1">
+              <a:lnSpc>
+                <a:spcPct val="100000"/>
+              </a:lnSpc>
+              <a:spcBef>
+                <a:spcPts val="0"/>
+              </a:spcBef>
+              <a:spcAft>
+                <a:spcPts val="0"/>
+              </a:spcAft>
+              <a:buClr>
+                <a:srgbClr val="000000"/>
+              </a:buClr>
+              <a:buFont typeface="Arial"/>
+              <a:defRPr sz="1867" b="0" i="0" u="none" strike="noStrike" cap="none">
+                <a:solidFill>
+                  <a:srgbClr val="000000"/>
+                </a:solidFill>
+                <a:latin typeface="Arial"/>
+                <a:ea typeface="Arial"/>
+                <a:cs typeface="Arial"/>
+                <a:sym typeface="Arial"/>
+              </a:defRPr>
+            </a:lvl8pPr>
+            <a:lvl9pPr marR="0" lvl="8" algn="l" rtl="0" eaLnBrk="1" hangingPunct="1">
+              <a:lnSpc>
+                <a:spcPct val="100000"/>
+              </a:lnSpc>
+              <a:spcBef>
+                <a:spcPts val="0"/>
+              </a:spcBef>
+              <a:spcAft>
+                <a:spcPts val="0"/>
+              </a:spcAft>
+              <a:buClr>
+                <a:srgbClr val="000000"/>
+              </a:buClr>
+              <a:buFont typeface="Arial"/>
+              <a:defRPr sz="1867" b="0" i="0" u="none" strike="noStrike" cap="none">
+                <a:solidFill>
+                  <a:srgbClr val="000000"/>
+                </a:solidFill>
+                <a:latin typeface="Arial"/>
+                <a:ea typeface="Arial"/>
+                <a:cs typeface="Arial"/>
+                <a:sym typeface="Arial"/>
+              </a:defRPr>
+            </a:lvl9pPr>
+          </a:lstStyle>
+          <a:p>
+            <a:pPr algn="ctr"/>
+            <a:r>
+              <a:rPr lang="en-US" sz="5000" b="1" dirty="0">
+                <a:solidFill>
+                  <a:srgbClr val="FFB248"/>
+                </a:solidFill>
+                <a:latin typeface="Dosis ExtraLight"/>
+                <a:cs typeface="Dosis ExtraLight"/>
+                <a:sym typeface="Dosis ExtraLight"/>
+              </a:rPr>
+              <a:t>Problem</a:t>
+            </a:r>
+            <a:r>
+              <a:rPr lang="en-US" sz="5000" b="1" dirty="0">
+                <a:solidFill>
+                  <a:srgbClr val="50B248"/>
+                </a:solidFill>
+                <a:latin typeface="Dosis ExtraLight"/>
+                <a:cs typeface="Dosis ExtraLight"/>
+                <a:sym typeface="Dosis ExtraLight"/>
+              </a:rPr>
+              <a:t> </a:t>
+            </a:r>
+            <a:r>
+              <a:rPr lang="en-US" sz="5000" b="1" dirty="0">
+                <a:solidFill>
+                  <a:schemeClr val="bg1"/>
+                </a:solidFill>
+                <a:latin typeface="Dosis ExtraLight"/>
+                <a:cs typeface="Dosis ExtraLight"/>
+                <a:sym typeface="Dosis ExtraLight"/>
+              </a:rPr>
+              <a:t>Statement</a:t>
+            </a:r>
+          </a:p>
+        </p:txBody>
+      </p:sp>
+      <p:sp>
+        <p:nvSpPr>
+          <p:cNvPr id="6" name="TextBox 5">
+            <a:extLst>
+              <a:ext uri="{FF2B5EF4-FFF2-40B4-BE49-F238E27FC236}">
+                <a16:creationId xmlns:a16="http://schemas.microsoft.com/office/drawing/2014/main" id="{9EC01144-9A4B-4149-A489-EBFB52CD4FC4}"/>
+              </a:ext>
+            </a:extLst>
+          </p:cNvPr>
+          <p:cNvSpPr txBox="1"/>
+          <p:nvPr/>
+        </p:nvSpPr>
+        <p:spPr>
+          <a:xfrm>
+            <a:off x="956336" y="2354185"/>
+            <a:ext cx="4910138" cy="2149627"/>
+          </a:xfrm>
+          <a:prstGeom prst="rect">
+            <a:avLst/>
+          </a:prstGeom>
+          <a:noFill/>
+        </p:spPr>
+        <p:txBody>
+          <a:bodyPr wrap="square" rtlCol="0">
+            <a:spAutoFit/>
+          </a:bodyPr>
+          <a:lstStyle/>
+          <a:p>
+            <a:pPr marL="342900" indent="-342900">
+              <a:lnSpc>
+                <a:spcPct val="150000"/>
+              </a:lnSpc>
+              <a:buClr>
+                <a:srgbClr val="FFB248"/>
+              </a:buClr>
+              <a:buFont typeface="Arial" panose="020B0604020202020204" pitchFamily="34" charset="0"/>
+              <a:buChar char="•"/>
+            </a:pPr>
+            <a:r>
+              <a:rPr lang="en-US" sz="2300" b="1" dirty="0">
+                <a:solidFill>
+                  <a:srgbClr val="FFB248"/>
+                </a:solidFill>
+                <a:latin typeface="Dosis ExtraLight"/>
+              </a:rPr>
+              <a:t>The goal of planting trees should be measurable </a:t>
+            </a:r>
+          </a:p>
+          <a:p>
+            <a:pPr marL="342900" indent="-342900">
+              <a:lnSpc>
+                <a:spcPct val="150000"/>
+              </a:lnSpc>
+              <a:buClr>
+                <a:srgbClr val="FFB248"/>
+              </a:buClr>
+              <a:buFont typeface="Arial" panose="020B0604020202020204" pitchFamily="34" charset="0"/>
+              <a:buChar char="•"/>
+            </a:pPr>
+            <a:r>
+              <a:rPr lang="en-US" sz="2300" b="1" dirty="0">
+                <a:solidFill>
+                  <a:srgbClr val="FFB248"/>
+                </a:solidFill>
+                <a:latin typeface="Dosis ExtraLight"/>
+              </a:rPr>
+              <a:t>There are many other questions which are unanswered</a:t>
+            </a:r>
+          </a:p>
+        </p:txBody>
+      </p:sp>
+      <p:sp>
+        <p:nvSpPr>
+          <p:cNvPr id="13" name="TextBox 12">
+            <a:extLst>
+              <a:ext uri="{FF2B5EF4-FFF2-40B4-BE49-F238E27FC236}">
+                <a16:creationId xmlns:a16="http://schemas.microsoft.com/office/drawing/2014/main" id="{7D4C3691-905D-2D4A-A826-9F9065CE5266}"/>
+              </a:ext>
+            </a:extLst>
+          </p:cNvPr>
+          <p:cNvSpPr txBox="1"/>
+          <p:nvPr/>
+        </p:nvSpPr>
+        <p:spPr>
+          <a:xfrm>
+            <a:off x="6737466" y="2719945"/>
+            <a:ext cx="4910138" cy="2149627"/>
+          </a:xfrm>
+          <a:prstGeom prst="rect">
+            <a:avLst/>
+          </a:prstGeom>
+          <a:noFill/>
+        </p:spPr>
+        <p:txBody>
+          <a:bodyPr wrap="square" rtlCol="0">
+            <a:spAutoFit/>
+          </a:bodyPr>
+          <a:lstStyle/>
+          <a:p>
+            <a:pPr marL="342900" indent="-342900">
+              <a:lnSpc>
+                <a:spcPct val="150000"/>
+              </a:lnSpc>
+              <a:buClr>
+                <a:schemeClr val="tx2"/>
+              </a:buClr>
+              <a:buFont typeface="Arial" panose="020B0604020202020204" pitchFamily="34" charset="0"/>
+              <a:buChar char="•"/>
+            </a:pPr>
+            <a:r>
+              <a:rPr lang="en-US" sz="2300" b="1" dirty="0">
+                <a:solidFill>
+                  <a:schemeClr val="bg1"/>
+                </a:solidFill>
+                <a:latin typeface="Dosis ExtraLight"/>
+              </a:rPr>
+              <a:t>How many trees should be planted?</a:t>
+            </a:r>
+          </a:p>
+          <a:p>
+            <a:pPr marL="342900" indent="-342900">
+              <a:lnSpc>
+                <a:spcPct val="150000"/>
+              </a:lnSpc>
+              <a:buClr>
+                <a:schemeClr val="tx2"/>
+              </a:buClr>
+              <a:buFont typeface="Arial" panose="020B0604020202020204" pitchFamily="34" charset="0"/>
+              <a:buChar char="•"/>
+            </a:pPr>
+            <a:r>
+              <a:rPr lang="en-US" sz="2300" b="1" dirty="0">
+                <a:solidFill>
+                  <a:schemeClr val="bg1"/>
+                </a:solidFill>
+                <a:latin typeface="Dosis ExtraLight"/>
+              </a:rPr>
+              <a:t>Where should these trees be planted?</a:t>
+            </a:r>
+          </a:p>
+          <a:p>
+            <a:pPr marL="342900" indent="-342900">
+              <a:lnSpc>
+                <a:spcPct val="150000"/>
+              </a:lnSpc>
+              <a:buClr>
+                <a:schemeClr val="tx2"/>
+              </a:buClr>
+              <a:buFont typeface="Arial" panose="020B0604020202020204" pitchFamily="34" charset="0"/>
+              <a:buChar char="•"/>
+            </a:pPr>
+            <a:r>
+              <a:rPr lang="en-US" sz="2300" b="1" dirty="0">
+                <a:solidFill>
+                  <a:schemeClr val="bg1"/>
+                </a:solidFill>
+                <a:latin typeface="Dosis ExtraLight"/>
+              </a:rPr>
+              <a:t>Which places are in more danger?  </a:t>
+            </a:r>
+          </a:p>
+          <a:p>
+            <a:pPr marL="342900" indent="-342900">
+              <a:lnSpc>
+                <a:spcPct val="150000"/>
+              </a:lnSpc>
+              <a:buClr>
+                <a:schemeClr val="tx2"/>
+              </a:buClr>
+              <a:buFont typeface="Arial" panose="020B0604020202020204" pitchFamily="34" charset="0"/>
+              <a:buChar char="•"/>
+            </a:pPr>
+            <a:endParaRPr lang="en-US" sz="2300" b="1" dirty="0">
+              <a:solidFill>
+                <a:schemeClr val="bg1"/>
+              </a:solidFill>
+              <a:latin typeface="Dosis ExtraLight"/>
+            </a:endParaRPr>
+          </a:p>
+        </p:txBody>
+      </p:sp>
+    </p:spTree>
+    <p:extLst>
+      <p:ext uri="{BB962C8B-B14F-4D97-AF65-F5344CB8AC3E}">
+        <p14:creationId xmlns:p14="http://schemas.microsoft.com/office/powerpoint/2010/main" val="3706860394"/>
+      </p:ext>
+    </p:extLst>
+  </p:cSld>
+  <p:clrMapOvr>
+    <a:masterClrMapping/>
+  </p:clrMapOvr>
+</p:sld>
+</file>
+
+<file path=ppt/slides/slide5.xml><?xml version="1.0" encoding="utf-8"?>
 <p:sld xmlns:a="http://schemas.openxmlformats.org/drawingml/2006/main" xmlns:r="http://schemas.openxmlformats.org/officeDocument/2006/relationships" xmlns:p="http://schemas.openxmlformats.org/presentationml/2006/main">
   <p:cSld>
     <p:spTree>
@@ -17429,6 +18657,211 @@
           </a:ln>
         </p:spPr>
       </p:pic>
+      <p:sp>
+        <p:nvSpPr>
+          <p:cNvPr id="6" name="TextBox 5">
+            <a:extLst>
+              <a:ext uri="{FF2B5EF4-FFF2-40B4-BE49-F238E27FC236}">
+                <a16:creationId xmlns:a16="http://schemas.microsoft.com/office/drawing/2014/main" id="{ED413A91-A7D0-2545-B091-514DB26C734A}"/>
+              </a:ext>
+            </a:extLst>
+          </p:cNvPr>
+          <p:cNvSpPr txBox="1"/>
+          <p:nvPr/>
+        </p:nvSpPr>
+        <p:spPr>
+          <a:xfrm>
+            <a:off x="4857628" y="3444240"/>
+            <a:ext cx="3688964" cy="2686313"/>
+          </a:xfrm>
+          <a:prstGeom prst="rect">
+            <a:avLst/>
+          </a:prstGeom>
+          <a:noFill/>
+        </p:spPr>
+        <p:txBody>
+          <a:bodyPr wrap="square" rtlCol="0">
+            <a:spAutoFit/>
+          </a:bodyPr>
+          <a:lstStyle/>
+          <a:p>
+            <a:pPr marL="342900" indent="-342900">
+              <a:lnSpc>
+                <a:spcPct val="150000"/>
+              </a:lnSpc>
+              <a:buClr>
+                <a:schemeClr val="bg2">
+                  <a:lumMod val="75000"/>
+                </a:schemeClr>
+              </a:buClr>
+              <a:buFont typeface="Arial" panose="020B0604020202020204" pitchFamily="34" charset="0"/>
+              <a:buChar char="•"/>
+            </a:pPr>
+            <a:r>
+              <a:rPr lang="en-US" sz="2100" b="1" dirty="0">
+                <a:solidFill>
+                  <a:schemeClr val="bg2">
+                    <a:lumMod val="75000"/>
+                  </a:schemeClr>
+                </a:solidFill>
+                <a:latin typeface="Dosis ExtraLight"/>
+              </a:rPr>
+              <a:t>Artificial Intelligence (AI) can help us to find the answers</a:t>
+            </a:r>
+          </a:p>
+          <a:p>
+            <a:pPr marL="342900" indent="-342900">
+              <a:lnSpc>
+                <a:spcPct val="150000"/>
+              </a:lnSpc>
+              <a:buClr>
+                <a:schemeClr val="bg2">
+                  <a:lumMod val="75000"/>
+                </a:schemeClr>
+              </a:buClr>
+              <a:buFont typeface="Arial" panose="020B0604020202020204" pitchFamily="34" charset="0"/>
+              <a:buChar char="•"/>
+            </a:pPr>
+            <a:endParaRPr lang="en-US" sz="700" b="1" dirty="0">
+              <a:solidFill>
+                <a:schemeClr val="bg2">
+                  <a:lumMod val="75000"/>
+                </a:schemeClr>
+              </a:solidFill>
+              <a:latin typeface="Dosis ExtraLight"/>
+            </a:endParaRPr>
+          </a:p>
+          <a:p>
+            <a:pPr marL="342900" indent="-342900">
+              <a:lnSpc>
+                <a:spcPct val="150000"/>
+              </a:lnSpc>
+              <a:buClr>
+                <a:schemeClr val="bg2">
+                  <a:lumMod val="75000"/>
+                </a:schemeClr>
+              </a:buClr>
+              <a:buFont typeface="Arial" panose="020B0604020202020204" pitchFamily="34" charset="0"/>
+              <a:buChar char="•"/>
+            </a:pPr>
+            <a:r>
+              <a:rPr lang="en-US" sz="2100" b="1" dirty="0">
+                <a:solidFill>
+                  <a:schemeClr val="bg2">
+                    <a:lumMod val="75000"/>
+                  </a:schemeClr>
+                </a:solidFill>
+                <a:latin typeface="Dosis ExtraLight"/>
+              </a:rPr>
+              <a:t>Many Machin learning (ML) algorithms can predict future data using past information </a:t>
+            </a:r>
+          </a:p>
+        </p:txBody>
+      </p:sp>
+      <p:sp>
+        <p:nvSpPr>
+          <p:cNvPr id="7" name="TextBox 6">
+            <a:extLst>
+              <a:ext uri="{FF2B5EF4-FFF2-40B4-BE49-F238E27FC236}">
+                <a16:creationId xmlns:a16="http://schemas.microsoft.com/office/drawing/2014/main" id="{5B257416-B8DA-EF46-879F-F02629DB123D}"/>
+              </a:ext>
+            </a:extLst>
+          </p:cNvPr>
+          <p:cNvSpPr txBox="1"/>
+          <p:nvPr/>
+        </p:nvSpPr>
+        <p:spPr>
+          <a:xfrm>
+            <a:off x="8401074" y="3450336"/>
+            <a:ext cx="3688964" cy="1970732"/>
+          </a:xfrm>
+          <a:prstGeom prst="rect">
+            <a:avLst/>
+          </a:prstGeom>
+          <a:noFill/>
+        </p:spPr>
+        <p:txBody>
+          <a:bodyPr wrap="square" rtlCol="0">
+            <a:spAutoFit/>
+          </a:bodyPr>
+          <a:lstStyle/>
+          <a:p>
+            <a:pPr marL="342900" indent="-342900">
+              <a:lnSpc>
+                <a:spcPct val="150000"/>
+              </a:lnSpc>
+              <a:buClr>
+                <a:schemeClr val="bg2">
+                  <a:lumMod val="75000"/>
+                </a:schemeClr>
+              </a:buClr>
+              <a:buFont typeface="Arial" panose="020B0604020202020204" pitchFamily="34" charset="0"/>
+              <a:buChar char="•"/>
+            </a:pPr>
+            <a:r>
+              <a:rPr lang="en-US" sz="2100" b="1" dirty="0">
+                <a:solidFill>
+                  <a:schemeClr val="bg2">
+                    <a:lumMod val="75000"/>
+                  </a:schemeClr>
+                </a:solidFill>
+                <a:latin typeface="Dosis ExtraLight"/>
+              </a:rPr>
+              <a:t>Our ML model can be divided into two sub-models </a:t>
+            </a:r>
+          </a:p>
+          <a:p>
+            <a:pPr marL="342900" indent="-342900">
+              <a:lnSpc>
+                <a:spcPct val="150000"/>
+              </a:lnSpc>
+              <a:buClr>
+                <a:schemeClr val="bg2">
+                  <a:lumMod val="75000"/>
+                </a:schemeClr>
+              </a:buClr>
+              <a:buFont typeface="Arial" panose="020B0604020202020204" pitchFamily="34" charset="0"/>
+              <a:buChar char="•"/>
+            </a:pPr>
+            <a:r>
+              <a:rPr lang="en-US" sz="2100" b="1" dirty="0">
+                <a:solidFill>
+                  <a:schemeClr val="bg2">
+                    <a:lumMod val="75000"/>
+                  </a:schemeClr>
+                </a:solidFill>
+                <a:latin typeface="Dosis ExtraLight"/>
+              </a:rPr>
+              <a:t>Deforestation rate</a:t>
+            </a:r>
+          </a:p>
+          <a:p>
+            <a:pPr marL="342900" indent="-342900">
+              <a:lnSpc>
+                <a:spcPct val="150000"/>
+              </a:lnSpc>
+              <a:buClr>
+                <a:schemeClr val="bg2">
+                  <a:lumMod val="75000"/>
+                </a:schemeClr>
+              </a:buClr>
+              <a:buFont typeface="Arial" panose="020B0604020202020204" pitchFamily="34" charset="0"/>
+              <a:buChar char="•"/>
+            </a:pPr>
+            <a:r>
+              <a:rPr lang="en-US" sz="2100" b="1" dirty="0">
+                <a:solidFill>
+                  <a:schemeClr val="bg2">
+                    <a:lumMod val="75000"/>
+                  </a:schemeClr>
+                </a:solidFill>
+                <a:latin typeface="Dosis ExtraLight"/>
+              </a:rPr>
+              <a:t>Disforestation distribution</a:t>
+            </a:r>
+          </a:p>
+        </p:txBody>
+      </p:sp>
     </p:spTree>
     <p:extLst>
       <p:ext uri="{BB962C8B-B14F-4D97-AF65-F5344CB8AC3E}">
@@ -17442,7 +18875,7 @@
 </p:sld>
 </file>
 
-<file path=ppt/slides/slide5.xml><?xml version="1.0" encoding="utf-8"?>
+<file path=ppt/slides/slide6.xml><?xml version="1.0" encoding="utf-8"?>
 <p:sld xmlns:a="http://schemas.openxmlformats.org/drawingml/2006/main" xmlns:r="http://schemas.openxmlformats.org/officeDocument/2006/relationships" xmlns:p="http://schemas.openxmlformats.org/presentationml/2006/main">
   <p:cSld>
     <p:spTree>
@@ -17505,7 +18938,7 @@
         </p:nvSpPr>
         <p:spPr>
           <a:xfrm>
-            <a:off x="4585927" y="300000"/>
+            <a:off x="4915111" y="227179"/>
             <a:ext cx="6486400" cy="921200"/>
           </a:xfrm>
           <a:prstGeom prst="rect">
@@ -17880,7 +19313,7 @@
         </p:nvSpPr>
         <p:spPr>
           <a:xfrm>
-            <a:off x="4585926" y="1467384"/>
+            <a:off x="4915110" y="1394563"/>
             <a:ext cx="2928565" cy="624124"/>
           </a:xfrm>
           <a:prstGeom prst="rect">
@@ -18149,7 +19582,7 @@
         </p:nvSpPr>
         <p:spPr>
           <a:xfrm>
-            <a:off x="4585926" y="3116938"/>
+            <a:off x="4915110" y="4021014"/>
             <a:ext cx="2049335" cy="624124"/>
           </a:xfrm>
           <a:prstGeom prst="rect">
@@ -18418,7 +19851,7 @@
         </p:nvSpPr>
         <p:spPr>
           <a:xfrm>
-            <a:off x="4585927" y="4738245"/>
+            <a:off x="8756474" y="2477573"/>
             <a:ext cx="1838320" cy="624124"/>
           </a:xfrm>
           <a:prstGeom prst="rect">
@@ -18667,6 +20100,308 @@
                 <a:sym typeface="Dosis ExtraLight"/>
               </a:rPr>
               <a:t>Challenges</a:t>
+            </a:r>
+          </a:p>
+        </p:txBody>
+      </p:sp>
+      <p:sp>
+        <p:nvSpPr>
+          <p:cNvPr id="9" name="TextBox 8">
+            <a:extLst>
+              <a:ext uri="{FF2B5EF4-FFF2-40B4-BE49-F238E27FC236}">
+                <a16:creationId xmlns:a16="http://schemas.microsoft.com/office/drawing/2014/main" id="{7EAE46B6-D9DD-3845-98D3-A399816B2B63}"/>
+              </a:ext>
+            </a:extLst>
+          </p:cNvPr>
+          <p:cNvSpPr txBox="1"/>
+          <p:nvPr/>
+        </p:nvSpPr>
+        <p:spPr>
+          <a:xfrm>
+            <a:off x="5067510" y="4612199"/>
+            <a:ext cx="3688964" cy="738664"/>
+          </a:xfrm>
+          <a:prstGeom prst="rect">
+            <a:avLst/>
+          </a:prstGeom>
+          <a:noFill/>
+        </p:spPr>
+        <p:txBody>
+          <a:bodyPr wrap="square" rtlCol="0">
+            <a:spAutoFit/>
+          </a:bodyPr>
+          <a:lstStyle/>
+          <a:p>
+            <a:pPr marL="342900" indent="-342900">
+              <a:buClr>
+                <a:schemeClr val="bg2">
+                  <a:lumMod val="75000"/>
+                </a:schemeClr>
+              </a:buClr>
+              <a:buFont typeface="Arial" panose="020B0604020202020204" pitchFamily="34" charset="0"/>
+              <a:buChar char="•"/>
+            </a:pPr>
+            <a:r>
+              <a:rPr lang="en-US" sz="2100" b="1" dirty="0">
+                <a:solidFill>
+                  <a:schemeClr val="bg2">
+                    <a:lumMod val="75000"/>
+                  </a:schemeClr>
+                </a:solidFill>
+                <a:latin typeface="Dosis ExtraLight"/>
+              </a:rPr>
+              <a:t>Scale</a:t>
+            </a:r>
+          </a:p>
+          <a:p>
+            <a:pPr marL="342900" indent="-342900">
+              <a:buClr>
+                <a:schemeClr val="bg2">
+                  <a:lumMod val="75000"/>
+                </a:schemeClr>
+              </a:buClr>
+              <a:buFont typeface="Arial" panose="020B0604020202020204" pitchFamily="34" charset="0"/>
+              <a:buChar char="•"/>
+            </a:pPr>
+            <a:r>
+              <a:rPr lang="en-US" sz="2100" b="1" dirty="0">
+                <a:solidFill>
+                  <a:schemeClr val="bg2">
+                    <a:lumMod val="75000"/>
+                  </a:schemeClr>
+                </a:solidFill>
+                <a:latin typeface="Dosis ExtraLight"/>
+              </a:rPr>
+              <a:t>Removing Useless values</a:t>
+            </a:r>
+          </a:p>
+        </p:txBody>
+      </p:sp>
+      <p:sp>
+        <p:nvSpPr>
+          <p:cNvPr id="12" name="TextBox 11">
+            <a:extLst>
+              <a:ext uri="{FF2B5EF4-FFF2-40B4-BE49-F238E27FC236}">
+                <a16:creationId xmlns:a16="http://schemas.microsoft.com/office/drawing/2014/main" id="{9B45CF54-5321-2B4A-9B50-830558DA2C06}"/>
+              </a:ext>
+            </a:extLst>
+          </p:cNvPr>
+          <p:cNvSpPr txBox="1"/>
+          <p:nvPr/>
+        </p:nvSpPr>
+        <p:spPr>
+          <a:xfrm>
+            <a:off x="5067510" y="2059183"/>
+            <a:ext cx="3688964" cy="1809150"/>
+          </a:xfrm>
+          <a:prstGeom prst="rect">
+            <a:avLst/>
+          </a:prstGeom>
+          <a:noFill/>
+        </p:spPr>
+        <p:txBody>
+          <a:bodyPr wrap="square" rtlCol="0">
+            <a:spAutoFit/>
+          </a:bodyPr>
+          <a:lstStyle/>
+          <a:p>
+            <a:pPr marL="342900" indent="-342900">
+              <a:buClr>
+                <a:schemeClr val="bg2">
+                  <a:lumMod val="75000"/>
+                </a:schemeClr>
+              </a:buClr>
+              <a:buFont typeface="Arial" panose="020B0604020202020204" pitchFamily="34" charset="0"/>
+              <a:buChar char="•"/>
+            </a:pPr>
+            <a:r>
+              <a:rPr lang="en-US" sz="2100" b="1" dirty="0">
+                <a:solidFill>
+                  <a:schemeClr val="bg2">
+                    <a:lumMod val="75000"/>
+                  </a:schemeClr>
+                </a:solidFill>
+                <a:latin typeface="Dosis ExtraLight"/>
+              </a:rPr>
+              <a:t>Kaggle</a:t>
+            </a:r>
+            <a:endParaRPr lang="en-US" sz="700" b="1" dirty="0">
+              <a:solidFill>
+                <a:schemeClr val="bg2">
+                  <a:lumMod val="75000"/>
+                </a:schemeClr>
+              </a:solidFill>
+              <a:latin typeface="Dosis ExtraLight"/>
+            </a:endParaRPr>
+          </a:p>
+          <a:p>
+            <a:pPr marL="342900" indent="-342900">
+              <a:lnSpc>
+                <a:spcPct val="150000"/>
+              </a:lnSpc>
+              <a:buClr>
+                <a:schemeClr val="bg2">
+                  <a:lumMod val="75000"/>
+                </a:schemeClr>
+              </a:buClr>
+              <a:buFont typeface="Arial" panose="020B0604020202020204" pitchFamily="34" charset="0"/>
+              <a:buChar char="•"/>
+            </a:pPr>
+            <a:r>
+              <a:rPr lang="en-US" sz="2100" b="1" dirty="0">
+                <a:solidFill>
+                  <a:schemeClr val="bg2">
+                    <a:lumMod val="75000"/>
+                  </a:schemeClr>
+                </a:solidFill>
+                <a:latin typeface="Dosis ExtraLight"/>
+              </a:rPr>
+              <a:t>GitHub</a:t>
+            </a:r>
+          </a:p>
+          <a:p>
+            <a:pPr marL="342900" indent="-342900">
+              <a:lnSpc>
+                <a:spcPct val="150000"/>
+              </a:lnSpc>
+              <a:buClr>
+                <a:schemeClr val="bg2">
+                  <a:lumMod val="75000"/>
+                </a:schemeClr>
+              </a:buClr>
+              <a:buFont typeface="Arial" panose="020B0604020202020204" pitchFamily="34" charset="0"/>
+              <a:buChar char="•"/>
+            </a:pPr>
+            <a:r>
+              <a:rPr lang="en-US" sz="2100" b="1" dirty="0">
+                <a:solidFill>
+                  <a:schemeClr val="bg2">
+                    <a:lumMod val="75000"/>
+                  </a:schemeClr>
+                </a:solidFill>
+                <a:latin typeface="Dosis ExtraLight"/>
+              </a:rPr>
+              <a:t>TheWorldBank Data</a:t>
+            </a:r>
+          </a:p>
+          <a:p>
+            <a:pPr marL="342900" indent="-342900">
+              <a:lnSpc>
+                <a:spcPct val="150000"/>
+              </a:lnSpc>
+              <a:buClr>
+                <a:schemeClr val="bg2">
+                  <a:lumMod val="75000"/>
+                </a:schemeClr>
+              </a:buClr>
+              <a:buFont typeface="Arial" panose="020B0604020202020204" pitchFamily="34" charset="0"/>
+              <a:buChar char="•"/>
+            </a:pPr>
+            <a:r>
+              <a:rPr lang="en-US" sz="2100" b="1" dirty="0">
+                <a:solidFill>
+                  <a:schemeClr val="bg2">
+                    <a:lumMod val="75000"/>
+                  </a:schemeClr>
+                </a:solidFill>
+                <a:latin typeface="Dosis ExtraLight"/>
+              </a:rPr>
+              <a:t>OECD Stats</a:t>
+            </a:r>
+          </a:p>
+        </p:txBody>
+      </p:sp>
+      <p:sp>
+        <p:nvSpPr>
+          <p:cNvPr id="15" name="TextBox 14">
+            <a:extLst>
+              <a:ext uri="{FF2B5EF4-FFF2-40B4-BE49-F238E27FC236}">
+                <a16:creationId xmlns:a16="http://schemas.microsoft.com/office/drawing/2014/main" id="{A8D4A029-9566-0743-8D55-031A43B5196E}"/>
+              </a:ext>
+            </a:extLst>
+          </p:cNvPr>
+          <p:cNvSpPr txBox="1"/>
+          <p:nvPr/>
+        </p:nvSpPr>
+        <p:spPr>
+          <a:xfrm>
+            <a:off x="8750312" y="3101697"/>
+            <a:ext cx="3688964" cy="1061829"/>
+          </a:xfrm>
+          <a:prstGeom prst="rect">
+            <a:avLst/>
+          </a:prstGeom>
+          <a:noFill/>
+        </p:spPr>
+        <p:txBody>
+          <a:bodyPr wrap="square" rtlCol="0">
+            <a:spAutoFit/>
+          </a:bodyPr>
+          <a:lstStyle/>
+          <a:p>
+            <a:pPr marL="342900" indent="-342900">
+              <a:buClr>
+                <a:schemeClr val="bg2">
+                  <a:lumMod val="75000"/>
+                </a:schemeClr>
+              </a:buClr>
+              <a:buFont typeface="Arial" panose="020B0604020202020204" pitchFamily="34" charset="0"/>
+              <a:buChar char="•"/>
+            </a:pPr>
+            <a:r>
+              <a:rPr lang="en-US" sz="2100" b="1" dirty="0">
+                <a:solidFill>
+                  <a:schemeClr val="bg2">
+                    <a:lumMod val="75000"/>
+                  </a:schemeClr>
+                </a:solidFill>
+                <a:latin typeface="Dosis ExtraLight"/>
+              </a:rPr>
+              <a:t>Finding Appropriate Data </a:t>
+            </a:r>
+          </a:p>
+          <a:p>
+            <a:pPr marL="342900" indent="-342900">
+              <a:buClr>
+                <a:schemeClr val="bg2">
+                  <a:lumMod val="75000"/>
+                </a:schemeClr>
+              </a:buClr>
+              <a:buFont typeface="Arial" panose="020B0604020202020204" pitchFamily="34" charset="0"/>
+              <a:buChar char="•"/>
+            </a:pPr>
+            <a:r>
+              <a:rPr lang="en-US" sz="2100" b="1" dirty="0">
+                <a:solidFill>
+                  <a:schemeClr val="bg2">
+                    <a:lumMod val="75000"/>
+                  </a:schemeClr>
+                </a:solidFill>
+                <a:latin typeface="Dosis ExtraLight"/>
+              </a:rPr>
+              <a:t>Finding Inclusive Data</a:t>
+            </a:r>
+          </a:p>
+          <a:p>
+            <a:pPr marL="342900" indent="-342900">
+              <a:buClr>
+                <a:schemeClr val="bg2">
+                  <a:lumMod val="75000"/>
+                </a:schemeClr>
+              </a:buClr>
+              <a:buFont typeface="Arial" panose="020B0604020202020204" pitchFamily="34" charset="0"/>
+              <a:buChar char="•"/>
+            </a:pPr>
+            <a:r>
+              <a:rPr lang="en-US" sz="2100" b="1" dirty="0">
+                <a:solidFill>
+                  <a:schemeClr val="bg2">
+                    <a:lumMod val="75000"/>
+                  </a:schemeClr>
+                </a:solidFill>
+                <a:latin typeface="Dosis ExtraLight"/>
+              </a:rPr>
+              <a:t>Finding Accurate Data</a:t>
             </a:r>
           </a:p>
         </p:txBody>
@@ -18684,7 +20419,7 @@
 </p:sld>
 </file>
 
-<file path=ppt/slides/slide6.xml><?xml version="1.0" encoding="utf-8"?>
+<file path=ppt/slides/slide7.xml><?xml version="1.0" encoding="utf-8"?>
 <p:sld xmlns:a="http://schemas.openxmlformats.org/drawingml/2006/main" xmlns:r="http://schemas.openxmlformats.org/officeDocument/2006/relationships" xmlns:p="http://schemas.openxmlformats.org/presentationml/2006/main">
   <p:cSld>
     <p:spTree>
@@ -19266,7 +21001,7 @@
         </p:nvSpPr>
         <p:spPr>
           <a:xfrm>
-            <a:off x="4585927" y="4021014"/>
+            <a:off x="4585927" y="4094166"/>
             <a:ext cx="3456104" cy="624124"/>
           </a:xfrm>
           <a:prstGeom prst="rect">
@@ -19755,6 +21490,218 @@
           </a:p>
         </p:txBody>
       </p:sp>
+      <p:sp>
+        <p:nvSpPr>
+          <p:cNvPr id="10" name="TextBox 9">
+            <a:extLst>
+              <a:ext uri="{FF2B5EF4-FFF2-40B4-BE49-F238E27FC236}">
+                <a16:creationId xmlns:a16="http://schemas.microsoft.com/office/drawing/2014/main" id="{ABFF8957-1CD2-6640-9768-C3B8DB3D25F6}"/>
+              </a:ext>
+            </a:extLst>
+          </p:cNvPr>
+          <p:cNvSpPr txBox="1"/>
+          <p:nvPr/>
+        </p:nvSpPr>
+        <p:spPr>
+          <a:xfrm>
+            <a:off x="4585927" y="2042740"/>
+            <a:ext cx="3688964" cy="1708160"/>
+          </a:xfrm>
+          <a:prstGeom prst="rect">
+            <a:avLst/>
+          </a:prstGeom>
+          <a:noFill/>
+        </p:spPr>
+        <p:txBody>
+          <a:bodyPr wrap="square" rtlCol="0">
+            <a:spAutoFit/>
+          </a:bodyPr>
+          <a:lstStyle/>
+          <a:p>
+            <a:pPr marL="342900" indent="-342900">
+              <a:buClr>
+                <a:schemeClr val="bg2">
+                  <a:lumMod val="75000"/>
+                </a:schemeClr>
+              </a:buClr>
+              <a:buFont typeface="Arial" panose="020B0604020202020204" pitchFamily="34" charset="0"/>
+              <a:buChar char="•"/>
+            </a:pPr>
+            <a:r>
+              <a:rPr lang="en-US" sz="2100" b="1" dirty="0">
+                <a:solidFill>
+                  <a:schemeClr val="bg2">
+                    <a:lumMod val="75000"/>
+                  </a:schemeClr>
+                </a:solidFill>
+                <a:latin typeface="Dosis ExtraLight"/>
+              </a:rPr>
+              <a:t>Linear Regression</a:t>
+            </a:r>
+          </a:p>
+          <a:p>
+            <a:pPr marL="342900" indent="-342900">
+              <a:buClr>
+                <a:schemeClr val="bg2">
+                  <a:lumMod val="75000"/>
+                </a:schemeClr>
+              </a:buClr>
+              <a:buFont typeface="Arial" panose="020B0604020202020204" pitchFamily="34" charset="0"/>
+              <a:buChar char="•"/>
+            </a:pPr>
+            <a:r>
+              <a:rPr lang="en-US" sz="2100" b="1" dirty="0">
+                <a:solidFill>
+                  <a:schemeClr val="bg2">
+                    <a:lumMod val="75000"/>
+                  </a:schemeClr>
+                </a:solidFill>
+                <a:latin typeface="Dosis ExtraLight"/>
+              </a:rPr>
+              <a:t>Ensemble Trees</a:t>
+            </a:r>
+          </a:p>
+          <a:p>
+            <a:pPr marL="342900" indent="-342900">
+              <a:buClr>
+                <a:schemeClr val="bg2">
+                  <a:lumMod val="75000"/>
+                </a:schemeClr>
+              </a:buClr>
+              <a:buFont typeface="Arial" panose="020B0604020202020204" pitchFamily="34" charset="0"/>
+              <a:buChar char="•"/>
+            </a:pPr>
+            <a:r>
+              <a:rPr lang="en-US" sz="2100" b="1" dirty="0">
+                <a:solidFill>
+                  <a:schemeClr val="bg2">
+                    <a:lumMod val="75000"/>
+                  </a:schemeClr>
+                </a:solidFill>
+                <a:latin typeface="Dosis ExtraLight"/>
+              </a:rPr>
+              <a:t>Arima</a:t>
+            </a:r>
+          </a:p>
+          <a:p>
+            <a:pPr marL="342900" indent="-342900">
+              <a:buClr>
+                <a:schemeClr val="bg2">
+                  <a:lumMod val="75000"/>
+                </a:schemeClr>
+              </a:buClr>
+              <a:buFont typeface="Arial" panose="020B0604020202020204" pitchFamily="34" charset="0"/>
+              <a:buChar char="•"/>
+            </a:pPr>
+            <a:r>
+              <a:rPr lang="en-US" sz="2100" b="1" dirty="0">
+                <a:solidFill>
+                  <a:schemeClr val="bg2">
+                    <a:lumMod val="75000"/>
+                  </a:schemeClr>
+                </a:solidFill>
+                <a:latin typeface="Dosis ExtraLight"/>
+              </a:rPr>
+              <a:t>XGBoost</a:t>
+            </a:r>
+          </a:p>
+          <a:p>
+            <a:pPr marL="342900" indent="-342900">
+              <a:buClr>
+                <a:schemeClr val="bg2">
+                  <a:lumMod val="75000"/>
+                </a:schemeClr>
+              </a:buClr>
+              <a:buFont typeface="Arial" panose="020B0604020202020204" pitchFamily="34" charset="0"/>
+              <a:buChar char="•"/>
+            </a:pPr>
+            <a:r>
+              <a:rPr lang="en-US" sz="2100" b="1" dirty="0">
+                <a:solidFill>
+                  <a:schemeClr val="bg2">
+                    <a:lumMod val="75000"/>
+                  </a:schemeClr>
+                </a:solidFill>
+                <a:latin typeface="Dosis ExtraLight"/>
+              </a:rPr>
+              <a:t>LightGBM</a:t>
+            </a:r>
+          </a:p>
+        </p:txBody>
+      </p:sp>
+      <p:sp>
+        <p:nvSpPr>
+          <p:cNvPr id="13" name="TextBox 12">
+            <a:extLst>
+              <a:ext uri="{FF2B5EF4-FFF2-40B4-BE49-F238E27FC236}">
+                <a16:creationId xmlns:a16="http://schemas.microsoft.com/office/drawing/2014/main" id="{D49B6B4F-7B9E-A344-9D7F-D23102AB8391}"/>
+              </a:ext>
+            </a:extLst>
+          </p:cNvPr>
+          <p:cNvSpPr txBox="1"/>
+          <p:nvPr/>
+        </p:nvSpPr>
+        <p:spPr>
+          <a:xfrm>
+            <a:off x="4585927" y="4718290"/>
+            <a:ext cx="3688964" cy="738664"/>
+          </a:xfrm>
+          <a:prstGeom prst="rect">
+            <a:avLst/>
+          </a:prstGeom>
+          <a:noFill/>
+        </p:spPr>
+        <p:txBody>
+          <a:bodyPr wrap="square" rtlCol="0">
+            <a:spAutoFit/>
+          </a:bodyPr>
+          <a:lstStyle/>
+          <a:p>
+            <a:pPr marL="342900" indent="-342900">
+              <a:buClr>
+                <a:schemeClr val="bg2">
+                  <a:lumMod val="75000"/>
+                </a:schemeClr>
+              </a:buClr>
+              <a:buFont typeface="Arial" panose="020B0604020202020204" pitchFamily="34" charset="0"/>
+              <a:buChar char="•"/>
+            </a:pPr>
+            <a:r>
+              <a:rPr lang="en-US" sz="2100" b="1" dirty="0">
+                <a:solidFill>
+                  <a:schemeClr val="bg2">
+                    <a:lumMod val="75000"/>
+                  </a:schemeClr>
+                </a:solidFill>
+                <a:latin typeface="Dosis ExtraLight"/>
+              </a:rPr>
+              <a:t>Feature Analysis</a:t>
+            </a:r>
+          </a:p>
+          <a:p>
+            <a:pPr marL="342900" indent="-342900">
+              <a:buClr>
+                <a:schemeClr val="bg2">
+                  <a:lumMod val="75000"/>
+                </a:schemeClr>
+              </a:buClr>
+              <a:buFont typeface="Arial" panose="020B0604020202020204" pitchFamily="34" charset="0"/>
+              <a:buChar char="•"/>
+            </a:pPr>
+            <a:r>
+              <a:rPr lang="en-US" sz="2100" b="1" dirty="0">
+                <a:solidFill>
+                  <a:schemeClr val="bg2">
+                    <a:lumMod val="75000"/>
+                  </a:schemeClr>
+                </a:solidFill>
+                <a:latin typeface="Dosis ExtraLight"/>
+              </a:rPr>
+              <a:t>R2 Score</a:t>
+            </a:r>
+          </a:p>
+        </p:txBody>
+      </p:sp>
     </p:spTree>
     <p:extLst>
       <p:ext uri="{BB962C8B-B14F-4D97-AF65-F5344CB8AC3E}">
@@ -19768,7 +21715,7 @@
 </p:sld>
 </file>
 
-<file path=ppt/slides/slide7.xml><?xml version="1.0" encoding="utf-8"?>
+<file path=ppt/slides/slide8.xml><?xml version="1.0" encoding="utf-8"?>
 <p:sld xmlns:a="http://schemas.openxmlformats.org/drawingml/2006/main" xmlns:r="http://schemas.openxmlformats.org/officeDocument/2006/relationships" xmlns:p="http://schemas.openxmlformats.org/presentationml/2006/main">
   <p:cSld>
     <p:spTree>
@@ -20681,7 +22628,7 @@
 </p:sld>
 </file>
 
-<file path=ppt/slides/slide8.xml><?xml version="1.0" encoding="utf-8"?>
+<file path=ppt/slides/slide9.xml><?xml version="1.0" encoding="utf-8"?>
 <p:sld xmlns:a="http://schemas.openxmlformats.org/drawingml/2006/main" xmlns:r="http://schemas.openxmlformats.org/officeDocument/2006/relationships" xmlns:p="http://schemas.openxmlformats.org/presentationml/2006/main">
   <p:cSld>
     <p:spTree>
@@ -21110,339 +23057,6 @@
     <p:extLst>
       <p:ext uri="{BB962C8B-B14F-4D97-AF65-F5344CB8AC3E}">
         <p14:creationId xmlns:p14="http://schemas.microsoft.com/office/powerpoint/2010/main" val="1220585031"/>
-      </p:ext>
-    </p:extLst>
-  </p:cSld>
-  <p:clrMapOvr>
-    <a:masterClrMapping/>
-  </p:clrMapOvr>
-</p:sld>
-</file>
-
-<file path=ppt/slides/slide9.xml><?xml version="1.0" encoding="utf-8"?>
-<p:sld xmlns:a="http://schemas.openxmlformats.org/drawingml/2006/main" xmlns:r="http://schemas.openxmlformats.org/officeDocument/2006/relationships" xmlns:p="http://schemas.openxmlformats.org/presentationml/2006/main">
-  <p:cSld>
-    <p:spTree>
-      <p:nvGrpSpPr>
-        <p:cNvPr id="1" name=""/>
-        <p:cNvGrpSpPr/>
-        <p:nvPr/>
-      </p:nvGrpSpPr>
-      <p:grpSpPr>
-        <a:xfrm>
-          <a:off x="0" y="0"/>
-          <a:ext cx="0" cy="0"/>
-          <a:chOff x="0" y="0"/>
-          <a:chExt cx="0" cy="0"/>
-        </a:xfrm>
-      </p:grpSpPr>
-      <p:sp>
-        <p:nvSpPr>
-          <p:cNvPr id="5" name="Title 1">
-            <a:extLst>
-              <a:ext uri="{FF2B5EF4-FFF2-40B4-BE49-F238E27FC236}">
-                <a16:creationId xmlns:a16="http://schemas.microsoft.com/office/drawing/2014/main" id="{4B1692CF-DB9A-D143-9BBA-83930D377C66}"/>
-              </a:ext>
-            </a:extLst>
-          </p:cNvPr>
-          <p:cNvSpPr txBox="1">
-            <a:spLocks/>
-          </p:cNvSpPr>
-          <p:nvPr/>
-        </p:nvSpPr>
-        <p:spPr>
-          <a:xfrm>
-            <a:off x="4794739" y="1062000"/>
-            <a:ext cx="6486400" cy="921200"/>
-          </a:xfrm>
-          <a:prstGeom prst="rect">
-            <a:avLst/>
-          </a:prstGeom>
-        </p:spPr>
-        <p:txBody>
-          <a:bodyPr/>
-          <a:lstStyle>
-            <a:defPPr marR="0" lvl="0" algn="l" rtl="0">
-              <a:lnSpc>
-                <a:spcPct val="100000"/>
-              </a:lnSpc>
-              <a:spcBef>
-                <a:spcPts val="0"/>
-              </a:spcBef>
-              <a:spcAft>
-                <a:spcPts val="0"/>
-              </a:spcAft>
-            </a:defPPr>
-            <a:lvl1pPr marR="0" lvl="0" algn="l" rtl="0" eaLnBrk="1" hangingPunct="1">
-              <a:lnSpc>
-                <a:spcPct val="100000"/>
-              </a:lnSpc>
-              <a:spcBef>
-                <a:spcPts val="0"/>
-              </a:spcBef>
-              <a:spcAft>
-                <a:spcPts val="0"/>
-              </a:spcAft>
-              <a:buClr>
-                <a:srgbClr val="000000"/>
-              </a:buClr>
-              <a:buFont typeface="Arial"/>
-              <a:defRPr sz="1867" b="0" i="0" u="none" strike="noStrike" cap="none">
-                <a:solidFill>
-                  <a:srgbClr val="000000"/>
-                </a:solidFill>
-                <a:latin typeface="Arial"/>
-                <a:ea typeface="Arial"/>
-                <a:cs typeface="Arial"/>
-                <a:sym typeface="Arial"/>
-              </a:defRPr>
-            </a:lvl1pPr>
-            <a:lvl2pPr marR="0" lvl="1" algn="l" rtl="0" eaLnBrk="1" hangingPunct="1">
-              <a:lnSpc>
-                <a:spcPct val="100000"/>
-              </a:lnSpc>
-              <a:spcBef>
-                <a:spcPts val="0"/>
-              </a:spcBef>
-              <a:spcAft>
-                <a:spcPts val="0"/>
-              </a:spcAft>
-              <a:buClr>
-                <a:srgbClr val="000000"/>
-              </a:buClr>
-              <a:buFont typeface="Arial"/>
-              <a:defRPr sz="1867" b="0" i="0" u="none" strike="noStrike" cap="none">
-                <a:solidFill>
-                  <a:srgbClr val="000000"/>
-                </a:solidFill>
-                <a:latin typeface="Arial"/>
-                <a:ea typeface="Arial"/>
-                <a:cs typeface="Arial"/>
-                <a:sym typeface="Arial"/>
-              </a:defRPr>
-            </a:lvl2pPr>
-            <a:lvl3pPr marR="0" lvl="2" algn="l" rtl="0" eaLnBrk="1" hangingPunct="1">
-              <a:lnSpc>
-                <a:spcPct val="100000"/>
-              </a:lnSpc>
-              <a:spcBef>
-                <a:spcPts val="0"/>
-              </a:spcBef>
-              <a:spcAft>
-                <a:spcPts val="0"/>
-              </a:spcAft>
-              <a:buClr>
-                <a:srgbClr val="000000"/>
-              </a:buClr>
-              <a:buFont typeface="Arial"/>
-              <a:defRPr sz="1867" b="0" i="0" u="none" strike="noStrike" cap="none">
-                <a:solidFill>
-                  <a:srgbClr val="000000"/>
-                </a:solidFill>
-                <a:latin typeface="Arial"/>
-                <a:ea typeface="Arial"/>
-                <a:cs typeface="Arial"/>
-                <a:sym typeface="Arial"/>
-              </a:defRPr>
-            </a:lvl3pPr>
-            <a:lvl4pPr marR="0" lvl="3" algn="l" rtl="0" eaLnBrk="1" hangingPunct="1">
-              <a:lnSpc>
-                <a:spcPct val="100000"/>
-              </a:lnSpc>
-              <a:spcBef>
-                <a:spcPts val="0"/>
-              </a:spcBef>
-              <a:spcAft>
-                <a:spcPts val="0"/>
-              </a:spcAft>
-              <a:buClr>
-                <a:srgbClr val="000000"/>
-              </a:buClr>
-              <a:buFont typeface="Arial"/>
-              <a:defRPr sz="1867" b="0" i="0" u="none" strike="noStrike" cap="none">
-                <a:solidFill>
-                  <a:srgbClr val="000000"/>
-                </a:solidFill>
-                <a:latin typeface="Arial"/>
-                <a:ea typeface="Arial"/>
-                <a:cs typeface="Arial"/>
-                <a:sym typeface="Arial"/>
-              </a:defRPr>
-            </a:lvl4pPr>
-            <a:lvl5pPr marR="0" lvl="4" algn="l" rtl="0" eaLnBrk="1" hangingPunct="1">
-              <a:lnSpc>
-                <a:spcPct val="100000"/>
-              </a:lnSpc>
-              <a:spcBef>
-                <a:spcPts val="0"/>
-              </a:spcBef>
-              <a:spcAft>
-                <a:spcPts val="0"/>
-              </a:spcAft>
-              <a:buClr>
-                <a:srgbClr val="000000"/>
-              </a:buClr>
-              <a:buFont typeface="Arial"/>
-              <a:defRPr sz="1867" b="0" i="0" u="none" strike="noStrike" cap="none">
-                <a:solidFill>
-                  <a:srgbClr val="000000"/>
-                </a:solidFill>
-                <a:latin typeface="Arial"/>
-                <a:ea typeface="Arial"/>
-                <a:cs typeface="Arial"/>
-                <a:sym typeface="Arial"/>
-              </a:defRPr>
-            </a:lvl5pPr>
-            <a:lvl6pPr marR="0" lvl="5" algn="l" rtl="0" eaLnBrk="1" hangingPunct="1">
-              <a:lnSpc>
-                <a:spcPct val="100000"/>
-              </a:lnSpc>
-              <a:spcBef>
-                <a:spcPts val="0"/>
-              </a:spcBef>
-              <a:spcAft>
-                <a:spcPts val="0"/>
-              </a:spcAft>
-              <a:buClr>
-                <a:srgbClr val="000000"/>
-              </a:buClr>
-              <a:buFont typeface="Arial"/>
-              <a:defRPr sz="1867" b="0" i="0" u="none" strike="noStrike" cap="none">
-                <a:solidFill>
-                  <a:srgbClr val="000000"/>
-                </a:solidFill>
-                <a:latin typeface="Arial"/>
-                <a:ea typeface="Arial"/>
-                <a:cs typeface="Arial"/>
-                <a:sym typeface="Arial"/>
-              </a:defRPr>
-            </a:lvl6pPr>
-            <a:lvl7pPr marR="0" lvl="6" algn="l" rtl="0" eaLnBrk="1" hangingPunct="1">
-              <a:lnSpc>
-                <a:spcPct val="100000"/>
-              </a:lnSpc>
-              <a:spcBef>
-                <a:spcPts val="0"/>
-              </a:spcBef>
-              <a:spcAft>
-                <a:spcPts val="0"/>
-              </a:spcAft>
-              <a:buClr>
-                <a:srgbClr val="000000"/>
-              </a:buClr>
-              <a:buFont typeface="Arial"/>
-              <a:defRPr sz="1867" b="0" i="0" u="none" strike="noStrike" cap="none">
-                <a:solidFill>
-                  <a:srgbClr val="000000"/>
-                </a:solidFill>
-                <a:latin typeface="Arial"/>
-                <a:ea typeface="Arial"/>
-                <a:cs typeface="Arial"/>
-                <a:sym typeface="Arial"/>
-              </a:defRPr>
-            </a:lvl7pPr>
-            <a:lvl8pPr marR="0" lvl="7" algn="l" rtl="0" eaLnBrk="1" hangingPunct="1">
-              <a:lnSpc>
-                <a:spcPct val="100000"/>
-              </a:lnSpc>
-              <a:spcBef>
-                <a:spcPts val="0"/>
-              </a:spcBef>
-              <a:spcAft>
-                <a:spcPts val="0"/>
-              </a:spcAft>
-              <a:buClr>
-                <a:srgbClr val="000000"/>
-              </a:buClr>
-              <a:buFont typeface="Arial"/>
-              <a:defRPr sz="1867" b="0" i="0" u="none" strike="noStrike" cap="none">
-                <a:solidFill>
-                  <a:srgbClr val="000000"/>
-                </a:solidFill>
-                <a:latin typeface="Arial"/>
-                <a:ea typeface="Arial"/>
-                <a:cs typeface="Arial"/>
-                <a:sym typeface="Arial"/>
-              </a:defRPr>
-            </a:lvl8pPr>
-            <a:lvl9pPr marR="0" lvl="8" algn="l" rtl="0" eaLnBrk="1" hangingPunct="1">
-              <a:lnSpc>
-                <a:spcPct val="100000"/>
-              </a:lnSpc>
-              <a:spcBef>
-                <a:spcPts val="0"/>
-              </a:spcBef>
-              <a:spcAft>
-                <a:spcPts val="0"/>
-              </a:spcAft>
-              <a:buClr>
-                <a:srgbClr val="000000"/>
-              </a:buClr>
-              <a:buFont typeface="Arial"/>
-              <a:defRPr sz="1867" b="0" i="0" u="none" strike="noStrike" cap="none">
-                <a:solidFill>
-                  <a:srgbClr val="000000"/>
-                </a:solidFill>
-                <a:latin typeface="Arial"/>
-                <a:ea typeface="Arial"/>
-                <a:cs typeface="Arial"/>
-                <a:sym typeface="Arial"/>
-              </a:defRPr>
-            </a:lvl9pPr>
-          </a:lstStyle>
-          <a:p>
-            <a:r>
-              <a:rPr lang="en-US" sz="5000" b="1" dirty="0">
-                <a:solidFill>
-                  <a:srgbClr val="50B248"/>
-                </a:solidFill>
-                <a:latin typeface="Dosis ExtraLight"/>
-                <a:cs typeface="Dosis ExtraLight"/>
-              </a:rPr>
-              <a:t>Insights</a:t>
-            </a:r>
-            <a:endParaRPr lang="en-US" dirty="0">
-              <a:solidFill>
-                <a:srgbClr val="9CD063"/>
-              </a:solidFill>
-            </a:endParaRPr>
-          </a:p>
-        </p:txBody>
-      </p:sp>
-      <p:pic>
-        <p:nvPicPr>
-          <p:cNvPr id="7" name="Picture 6">
-            <a:extLst>
-              <a:ext uri="{FF2B5EF4-FFF2-40B4-BE49-F238E27FC236}">
-                <a16:creationId xmlns:a16="http://schemas.microsoft.com/office/drawing/2014/main" id="{5CB43B5A-BB47-584C-AA96-A95FD8E4836B}"/>
-              </a:ext>
-            </a:extLst>
-          </p:cNvPr>
-          <p:cNvPicPr>
-            <a:picLocks noChangeAspect="1"/>
-          </p:cNvPicPr>
-          <p:nvPr/>
-        </p:nvPicPr>
-        <p:blipFill>
-          <a:blip r:embed="rId2"/>
-          <a:stretch>
-            <a:fillRect/>
-          </a:stretch>
-        </p:blipFill>
-        <p:spPr>
-          <a:xfrm>
-            <a:off x="0" y="0"/>
-            <a:ext cx="4580307" cy="4256568"/>
-          </a:xfrm>
-          <a:prstGeom prst="rect">
-            <a:avLst/>
-          </a:prstGeom>
-        </p:spPr>
-      </p:pic>
-    </p:spTree>
-    <p:extLst>
-      <p:ext uri="{BB962C8B-B14F-4D97-AF65-F5344CB8AC3E}">
-        <p14:creationId xmlns:p14="http://schemas.microsoft.com/office/powerpoint/2010/main" val="478904151"/>
       </p:ext>
     </p:extLst>
   </p:cSld>
